--- a/Phase 2 Project - Sabina Bains - 1.19.22 .pptx
+++ b/Phase 2 Project - Sabina Bains - 1.19.22 .pptx
@@ -13,6 +13,9 @@
     <p:sldId id="268" r:id="rId7"/>
     <p:sldId id="264" r:id="rId8"/>
     <p:sldId id="265" r:id="rId9"/>
+    <p:sldId id="269" r:id="rId10"/>
+    <p:sldId id="271" r:id="rId11"/>
+    <p:sldId id="270" r:id="rId12"/>
   </p:sldIdLst>
   <p:sldSz cx="12192000" cy="6858000"/>
   <p:notesSz cx="6858000" cy="9144000"/>
@@ -2909,7 +2912,7 @@
               <a:latin typeface="Arial" panose="020B0604020202020204" pitchFamily="34" charset="0"/>
               <a:cs typeface="Arial" panose="020B0604020202020204" pitchFamily="34" charset="0"/>
             </a:rPr>
-            <a:t>A predicted budget of at least $555,691 is required to cover the down payments of all five families.</a:t>
+            <a:t>A predicted budget of at least $556k is required to cover the down payments of all five families.</a:t>
           </a:r>
         </a:p>
       </dgm:t>
@@ -3026,7 +3029,7 @@
               <a:latin typeface="Arial" panose="020B0604020202020204" pitchFamily="34" charset="0"/>
               <a:cs typeface="Arial" panose="020B0604020202020204" pitchFamily="34" charset="0"/>
             </a:rPr>
-            <a:t>Among continuous predictors, an increase in grade had the biggest effect on house price with a 22% expected increase per unit, followed by bathrooms, with a 9% expected increase in additional bathroom.</a:t>
+            <a:t>Among continuous predictors, an increase in grade had the biggest effect on house price with a 22% expected increase per unit increase, followed by bathrooms, with a 9% expected increase in sales per additional bathroom.</a:t>
           </a:r>
         </a:p>
       </dgm:t>
@@ -3488,7 +3491,7 @@
               <a:latin typeface="Arial" panose="020B0604020202020204" pitchFamily="34" charset="0"/>
               <a:cs typeface="Arial" panose="020B0604020202020204" pitchFamily="34" charset="0"/>
             </a:rPr>
-            <a:t>A predicted budget of at least $555,691 is required to cover the down payments of all five families.</a:t>
+            <a:t>A predicted budget of at least $556k is required to cover the down payments of all five families.</a:t>
           </a:r>
         </a:p>
       </dsp:txBody>
@@ -3712,7 +3715,7 @@
               <a:latin typeface="Arial" panose="020B0604020202020204" pitchFamily="34" charset="0"/>
               <a:cs typeface="Arial" panose="020B0604020202020204" pitchFamily="34" charset="0"/>
             </a:rPr>
-            <a:t>Among continuous predictors, an increase in grade had the biggest effect on house price with a 22% expected increase per unit, followed by bathrooms, with a 9% expected increase in additional bathroom.</a:t>
+            <a:t>Among continuous predictors, an increase in grade had the biggest effect on house price with a 22% expected increase per unit increase, followed by bathrooms, with a 9% expected increase in sales per additional bathroom.</a:t>
           </a:r>
         </a:p>
       </dsp:txBody>
@@ -7524,7 +7527,7 @@
             <a:fld id="{B61BEF0D-F0BB-DE4B-95CE-6DB70DBA9567}" type="datetimeFigureOut">
               <a:rPr lang="en-US" dirty="0"/>
               <a:pPr/>
-              <a:t>1/18/22</a:t>
+              <a:t>1/19/22</a:t>
             </a:fld>
             <a:endParaRPr lang="en-US" dirty="0"/>
           </a:p>
@@ -7783,7 +7786,7 @@
             <a:fld id="{B61BEF0D-F0BB-DE4B-95CE-6DB70DBA9567}" type="datetimeFigureOut">
               <a:rPr lang="en-US" dirty="0"/>
               <a:pPr/>
-              <a:t>1/18/22</a:t>
+              <a:t>1/19/22</a:t>
             </a:fld>
             <a:endParaRPr lang="en-US" dirty="0"/>
           </a:p>
@@ -8015,7 +8018,7 @@
             <a:fld id="{B61BEF0D-F0BB-DE4B-95CE-6DB70DBA9567}" type="datetimeFigureOut">
               <a:rPr lang="en-US" dirty="0"/>
               <a:pPr/>
-              <a:t>1/18/22</a:t>
+              <a:t>1/19/22</a:t>
             </a:fld>
             <a:endParaRPr lang="en-US" dirty="0"/>
           </a:p>
@@ -8252,7 +8255,7 @@
             <a:fld id="{B61BEF0D-F0BB-DE4B-95CE-6DB70DBA9567}" type="datetimeFigureOut">
               <a:rPr lang="en-US" dirty="0"/>
               <a:pPr/>
-              <a:t>1/18/22</a:t>
+              <a:t>1/19/22</a:t>
             </a:fld>
             <a:endParaRPr lang="en-US" dirty="0"/>
           </a:p>
@@ -8556,7 +8559,7 @@
             <a:fld id="{B61BEF0D-F0BB-DE4B-95CE-6DB70DBA9567}" type="datetimeFigureOut">
               <a:rPr lang="en-US" dirty="0"/>
               <a:pPr/>
-              <a:t>1/18/22</a:t>
+              <a:t>1/19/22</a:t>
             </a:fld>
             <a:endParaRPr lang="en-US" dirty="0"/>
           </a:p>
@@ -8855,7 +8858,7 @@
             <a:fld id="{B61BEF0D-F0BB-DE4B-95CE-6DB70DBA9567}" type="datetimeFigureOut">
               <a:rPr lang="en-US" dirty="0"/>
               <a:pPr/>
-              <a:t>1/18/22</a:t>
+              <a:t>1/19/22</a:t>
             </a:fld>
             <a:endParaRPr lang="en-US" dirty="0"/>
           </a:p>
@@ -9274,7 +9277,7 @@
             <a:fld id="{B61BEF0D-F0BB-DE4B-95CE-6DB70DBA9567}" type="datetimeFigureOut">
               <a:rPr lang="en-US" dirty="0"/>
               <a:pPr/>
-              <a:t>1/18/22</a:t>
+              <a:t>1/19/22</a:t>
             </a:fld>
             <a:endParaRPr lang="en-US" dirty="0"/>
           </a:p>
@@ -9433,7 +9436,7 @@
             <a:fld id="{B61BEF0D-F0BB-DE4B-95CE-6DB70DBA9567}" type="datetimeFigureOut">
               <a:rPr lang="en-US" dirty="0"/>
               <a:pPr/>
-              <a:t>1/18/22</a:t>
+              <a:t>1/19/22</a:t>
             </a:fld>
             <a:endParaRPr lang="en-US" dirty="0"/>
           </a:p>
@@ -9525,7 +9528,7 @@
             <a:fld id="{B61BEF0D-F0BB-DE4B-95CE-6DB70DBA9567}" type="datetimeFigureOut">
               <a:rPr lang="en-US" dirty="0"/>
               <a:pPr/>
-              <a:t>1/18/22</a:t>
+              <a:t>1/19/22</a:t>
             </a:fld>
             <a:endParaRPr lang="en-US" dirty="0"/>
           </a:p>
@@ -9900,7 +9903,7 @@
             <a:fld id="{B61BEF0D-F0BB-DE4B-95CE-6DB70DBA9567}" type="datetimeFigureOut">
               <a:rPr lang="en-US" dirty="0"/>
               <a:pPr/>
-              <a:t>1/18/22</a:t>
+              <a:t>1/19/22</a:t>
             </a:fld>
             <a:endParaRPr lang="en-US" dirty="0"/>
           </a:p>
@@ -10186,7 +10189,7 @@
             <a:fld id="{B61BEF0D-F0BB-DE4B-95CE-6DB70DBA9567}" type="datetimeFigureOut">
               <a:rPr lang="en-US" dirty="0"/>
               <a:pPr/>
-              <a:t>1/18/22</a:t>
+              <a:t>1/19/22</a:t>
             </a:fld>
             <a:endParaRPr lang="en-US" dirty="0"/>
           </a:p>
@@ -10394,7 +10397,7 @@
             <a:fld id="{B61BEF0D-F0BB-DE4B-95CE-6DB70DBA9567}" type="datetimeFigureOut">
               <a:rPr lang="en-US" dirty="0"/>
               <a:pPr/>
-              <a:t>1/18/22</a:t>
+              <a:t>1/19/22</a:t>
             </a:fld>
             <a:endParaRPr lang="en-US" dirty="0"/>
           </a:p>
@@ -11389,6 +11392,3409 @@
 </p:sld>
 </file>
 
+<file path=ppt/slides/slide10.xml><?xml version="1.0" encoding="utf-8"?>
+<p:sld xmlns:a="http://schemas.openxmlformats.org/drawingml/2006/main" xmlns:r="http://schemas.openxmlformats.org/officeDocument/2006/relationships" xmlns:p="http://schemas.openxmlformats.org/presentationml/2006/main">
+  <p:cSld>
+    <p:spTree>
+      <p:nvGrpSpPr>
+        <p:cNvPr id="1" name=""/>
+        <p:cNvGrpSpPr/>
+        <p:nvPr/>
+      </p:nvGrpSpPr>
+      <p:grpSpPr>
+        <a:xfrm>
+          <a:off x="0" y="0"/>
+          <a:ext cx="0" cy="0"/>
+          <a:chOff x="0" y="0"/>
+          <a:chExt cx="0" cy="0"/>
+        </a:xfrm>
+      </p:grpSpPr>
+      <p:sp>
+        <p:nvSpPr>
+          <p:cNvPr id="2" name="Title 1">
+            <a:extLst>
+              <a:ext uri="{FF2B5EF4-FFF2-40B4-BE49-F238E27FC236}">
+                <a16:creationId xmlns:a16="http://schemas.microsoft.com/office/drawing/2014/main" id="{D21EDA09-DCA7-5449-A09A-0F733FF6B486}"/>
+              </a:ext>
+            </a:extLst>
+          </p:cNvPr>
+          <p:cNvSpPr>
+            <a:spLocks noGrp="1"/>
+          </p:cNvSpPr>
+          <p:nvPr>
+            <p:ph type="title"/>
+          </p:nvPr>
+        </p:nvSpPr>
+        <p:spPr/>
+        <p:txBody>
+          <a:bodyPr/>
+          <a:lstStyle/>
+          <a:p>
+            <a:r>
+              <a:rPr lang="en-US" dirty="0"/>
+              <a:t>Zip codes AND THEIR EXPECTED CHANGE IN SALE PRICE compared to zip 98001</a:t>
+            </a:r>
+          </a:p>
+        </p:txBody>
+      </p:sp>
+      <p:graphicFrame>
+        <p:nvGraphicFramePr>
+          <p:cNvPr id="11" name="Table 7">
+            <a:extLst>
+              <a:ext uri="{FF2B5EF4-FFF2-40B4-BE49-F238E27FC236}">
+                <a16:creationId xmlns:a16="http://schemas.microsoft.com/office/drawing/2014/main" id="{7F52A564-5673-9E46-89E0-1124600F8704}"/>
+              </a:ext>
+            </a:extLst>
+          </p:cNvPr>
+          <p:cNvGraphicFramePr>
+            <a:graphicFrameLocks noGrp="1"/>
+          </p:cNvGraphicFramePr>
+          <p:nvPr>
+            <p:extLst>
+              <p:ext uri="{D42A27DB-BD31-4B8C-83A1-F6EECF244321}">
+                <p14:modId xmlns:p14="http://schemas.microsoft.com/office/powerpoint/2010/main" val="1535707268"/>
+              </p:ext>
+            </p:extLst>
+          </p:nvPr>
+        </p:nvGraphicFramePr>
+        <p:xfrm>
+          <a:off x="1507309" y="1967222"/>
+          <a:ext cx="3357768" cy="4619373"/>
+        </p:xfrm>
+        <a:graphic>
+          <a:graphicData uri="http://schemas.openxmlformats.org/drawingml/2006/table">
+            <a:tbl>
+              <a:tblPr firstRow="1" bandRow="1">
+                <a:tableStyleId>{5C22544A-7EE6-4342-B048-85BDC9FD1C3A}</a:tableStyleId>
+              </a:tblPr>
+              <a:tblGrid>
+                <a:gridCol w="1678884">
+                  <a:extLst>
+                    <a:ext uri="{9D8B030D-6E8A-4147-A177-3AD203B41FA5}">
+                      <a16:colId xmlns:a16="http://schemas.microsoft.com/office/drawing/2014/main" val="4145685304"/>
+                    </a:ext>
+                  </a:extLst>
+                </a:gridCol>
+                <a:gridCol w="1678884">
+                  <a:extLst>
+                    <a:ext uri="{9D8B030D-6E8A-4147-A177-3AD203B41FA5}">
+                      <a16:colId xmlns:a16="http://schemas.microsoft.com/office/drawing/2014/main" val="501044954"/>
+                    </a:ext>
+                  </a:extLst>
+                </a:gridCol>
+              </a:tblGrid>
+              <a:tr h="482901">
+                <a:tc>
+                  <a:txBody>
+                    <a:bodyPr/>
+                    <a:lstStyle/>
+                    <a:p>
+                      <a:pPr algn="ctr" fontAlgn="ctr"/>
+                      <a:r>
+                        <a:rPr lang="en-US" sz="900" b="1" dirty="0">
+                          <a:effectLst/>
+                        </a:rPr>
+                        <a:t>Predictor</a:t>
+                      </a:r>
+                    </a:p>
+                  </a:txBody>
+                  <a:tcPr anchor="ctr"/>
+                </a:tc>
+                <a:tc>
+                  <a:txBody>
+                    <a:bodyPr/>
+                    <a:lstStyle/>
+                    <a:p>
+                      <a:pPr algn="ctr" fontAlgn="ctr"/>
+                      <a:r>
+                        <a:rPr lang="en-US" sz="900" b="1" dirty="0">
+                          <a:effectLst/>
+                        </a:rPr>
+                        <a:t>Change in sale price if home in chosen zip rather than 98001(%)</a:t>
+                      </a:r>
+                    </a:p>
+                  </a:txBody>
+                  <a:tcPr anchor="ctr"/>
+                </a:tc>
+                <a:extLst>
+                  <a:ext uri="{0D108BD9-81ED-4DB2-BD59-A6C34878D82A}">
+                    <a16:rowId xmlns:a16="http://schemas.microsoft.com/office/drawing/2014/main" val="1076749580"/>
+                  </a:ext>
+                </a:extLst>
+              </a:tr>
+              <a:tr h="124741">
+                <a:tc>
+                  <a:txBody>
+                    <a:bodyPr/>
+                    <a:lstStyle/>
+                    <a:p>
+                      <a:pPr lvl="0" algn="ctr" fontAlgn="b"/>
+                      <a:r>
+                        <a:rPr lang="en-US" sz="700" b="1" i="0" u="none" strike="noStrike" dirty="0">
+                          <a:solidFill>
+                            <a:srgbClr val="000000"/>
+                          </a:solidFill>
+                          <a:effectLst/>
+                          <a:latin typeface="+mn-lt"/>
+                        </a:rPr>
+                        <a:t>98039</a:t>
+                      </a:r>
+                    </a:p>
+                  </a:txBody>
+                  <a:tcPr marL="9525" marR="9525" marT="9525" marB="0" anchor="ctr"/>
+                </a:tc>
+                <a:tc>
+                  <a:txBody>
+                    <a:bodyPr/>
+                    <a:lstStyle/>
+                    <a:p>
+                      <a:pPr lvl="0" algn="ctr" fontAlgn="b"/>
+                      <a:r>
+                        <a:rPr lang="en-US" sz="700" b="1" i="0" u="none" strike="noStrike" dirty="0">
+                          <a:solidFill>
+                            <a:srgbClr val="000000"/>
+                          </a:solidFill>
+                          <a:effectLst/>
+                          <a:latin typeface="+mn-lt"/>
+                        </a:rPr>
+                        <a:t>289%</a:t>
+                      </a:r>
+                    </a:p>
+                  </a:txBody>
+                  <a:tcPr marL="9525" marR="9525" marT="9525" marB="0" anchor="ctr"/>
+                </a:tc>
+                <a:extLst>
+                  <a:ext uri="{0D108BD9-81ED-4DB2-BD59-A6C34878D82A}">
+                    <a16:rowId xmlns:a16="http://schemas.microsoft.com/office/drawing/2014/main" val="1006375750"/>
+                  </a:ext>
+                </a:extLst>
+              </a:tr>
+              <a:tr h="124741">
+                <a:tc>
+                  <a:txBody>
+                    <a:bodyPr/>
+                    <a:lstStyle/>
+                    <a:p>
+                      <a:pPr lvl="0" algn="ctr" fontAlgn="b"/>
+                      <a:r>
+                        <a:rPr lang="en-US" sz="700" b="1" i="0" u="none" strike="noStrike" dirty="0">
+                          <a:solidFill>
+                            <a:srgbClr val="000000"/>
+                          </a:solidFill>
+                          <a:effectLst/>
+                          <a:latin typeface="+mn-lt"/>
+                        </a:rPr>
+                        <a:t>98004</a:t>
+                      </a:r>
+                    </a:p>
+                  </a:txBody>
+                  <a:tcPr marL="9525" marR="9525" marT="9525" marB="0" anchor="ctr"/>
+                </a:tc>
+                <a:tc>
+                  <a:txBody>
+                    <a:bodyPr/>
+                    <a:lstStyle/>
+                    <a:p>
+                      <a:pPr lvl="0" algn="ctr" fontAlgn="b"/>
+                      <a:r>
+                        <a:rPr lang="en-US" sz="700" b="1" i="0" u="none" strike="noStrike" dirty="0">
+                          <a:solidFill>
+                            <a:srgbClr val="000000"/>
+                          </a:solidFill>
+                          <a:effectLst/>
+                          <a:latin typeface="+mn-lt"/>
+                        </a:rPr>
+                        <a:t>216%</a:t>
+                      </a:r>
+                    </a:p>
+                  </a:txBody>
+                  <a:tcPr marL="9525" marR="9525" marT="9525" marB="0" anchor="ctr"/>
+                </a:tc>
+                <a:extLst>
+                  <a:ext uri="{0D108BD9-81ED-4DB2-BD59-A6C34878D82A}">
+                    <a16:rowId xmlns:a16="http://schemas.microsoft.com/office/drawing/2014/main" val="1405305497"/>
+                  </a:ext>
+                </a:extLst>
+              </a:tr>
+              <a:tr h="124741">
+                <a:tc>
+                  <a:txBody>
+                    <a:bodyPr/>
+                    <a:lstStyle/>
+                    <a:p>
+                      <a:pPr lvl="0" algn="ctr" fontAlgn="b"/>
+                      <a:r>
+                        <a:rPr lang="en-US" sz="700" b="1" i="0" u="none" strike="noStrike" dirty="0">
+                          <a:solidFill>
+                            <a:srgbClr val="000000"/>
+                          </a:solidFill>
+                          <a:effectLst/>
+                          <a:latin typeface="+mn-lt"/>
+                        </a:rPr>
+                        <a:t>98112</a:t>
+                      </a:r>
+                    </a:p>
+                  </a:txBody>
+                  <a:tcPr marL="9525" marR="9525" marT="9525" marB="0" anchor="ctr"/>
+                </a:tc>
+                <a:tc>
+                  <a:txBody>
+                    <a:bodyPr/>
+                    <a:lstStyle/>
+                    <a:p>
+                      <a:pPr lvl="0" algn="ctr" fontAlgn="b"/>
+                      <a:r>
+                        <a:rPr lang="en-US" sz="700" b="1" i="0" u="none" strike="noStrike">
+                          <a:solidFill>
+                            <a:srgbClr val="000000"/>
+                          </a:solidFill>
+                          <a:effectLst/>
+                          <a:latin typeface="+mn-lt"/>
+                        </a:rPr>
+                        <a:t>170%</a:t>
+                      </a:r>
+                    </a:p>
+                  </a:txBody>
+                  <a:tcPr marL="9525" marR="9525" marT="9525" marB="0" anchor="ctr"/>
+                </a:tc>
+                <a:extLst>
+                  <a:ext uri="{0D108BD9-81ED-4DB2-BD59-A6C34878D82A}">
+                    <a16:rowId xmlns:a16="http://schemas.microsoft.com/office/drawing/2014/main" val="3055773279"/>
+                  </a:ext>
+                </a:extLst>
+              </a:tr>
+              <a:tr h="124741">
+                <a:tc>
+                  <a:txBody>
+                    <a:bodyPr/>
+                    <a:lstStyle/>
+                    <a:p>
+                      <a:pPr lvl="0" algn="ctr" fontAlgn="b"/>
+                      <a:r>
+                        <a:rPr lang="en-US" sz="700" b="1" i="0" u="none" strike="noStrike">
+                          <a:solidFill>
+                            <a:srgbClr val="000000"/>
+                          </a:solidFill>
+                          <a:effectLst/>
+                          <a:latin typeface="+mn-lt"/>
+                        </a:rPr>
+                        <a:t>98040</a:t>
+                      </a:r>
+                    </a:p>
+                  </a:txBody>
+                  <a:tcPr marL="9525" marR="9525" marT="9525" marB="0" anchor="ctr"/>
+                </a:tc>
+                <a:tc>
+                  <a:txBody>
+                    <a:bodyPr/>
+                    <a:lstStyle/>
+                    <a:p>
+                      <a:pPr lvl="0" algn="ctr" fontAlgn="b"/>
+                      <a:r>
+                        <a:rPr lang="en-US" sz="700" b="1" i="0" u="none" strike="noStrike" dirty="0">
+                          <a:solidFill>
+                            <a:srgbClr val="000000"/>
+                          </a:solidFill>
+                          <a:effectLst/>
+                          <a:latin typeface="+mn-lt"/>
+                        </a:rPr>
+                        <a:t>161%</a:t>
+                      </a:r>
+                    </a:p>
+                  </a:txBody>
+                  <a:tcPr marL="9525" marR="9525" marT="9525" marB="0" anchor="ctr"/>
+                </a:tc>
+                <a:extLst>
+                  <a:ext uri="{0D108BD9-81ED-4DB2-BD59-A6C34878D82A}">
+                    <a16:rowId xmlns:a16="http://schemas.microsoft.com/office/drawing/2014/main" val="2445616717"/>
+                  </a:ext>
+                </a:extLst>
+              </a:tr>
+              <a:tr h="124741">
+                <a:tc>
+                  <a:txBody>
+                    <a:bodyPr/>
+                    <a:lstStyle/>
+                    <a:p>
+                      <a:pPr lvl="0" algn="ctr" fontAlgn="b"/>
+                      <a:r>
+                        <a:rPr lang="en-US" sz="700" b="1" i="0" u="none" strike="noStrike" dirty="0">
+                          <a:solidFill>
+                            <a:srgbClr val="000000"/>
+                          </a:solidFill>
+                          <a:effectLst/>
+                          <a:latin typeface="+mn-lt"/>
+                        </a:rPr>
+                        <a:t>98109</a:t>
+                      </a:r>
+                    </a:p>
+                  </a:txBody>
+                  <a:tcPr marL="9525" marR="9525" marT="9525" marB="0" anchor="ctr"/>
+                </a:tc>
+                <a:tc>
+                  <a:txBody>
+                    <a:bodyPr/>
+                    <a:lstStyle/>
+                    <a:p>
+                      <a:pPr lvl="0" algn="ctr" fontAlgn="b"/>
+                      <a:r>
+                        <a:rPr lang="en-US" sz="700" b="1" i="0" u="none" strike="noStrike" dirty="0">
+                          <a:solidFill>
+                            <a:srgbClr val="000000"/>
+                          </a:solidFill>
+                          <a:effectLst/>
+                          <a:latin typeface="+mn-lt"/>
+                        </a:rPr>
+                        <a:t>151%</a:t>
+                      </a:r>
+                    </a:p>
+                  </a:txBody>
+                  <a:tcPr marL="9525" marR="9525" marT="9525" marB="0" anchor="ctr"/>
+                </a:tc>
+                <a:extLst>
+                  <a:ext uri="{0D108BD9-81ED-4DB2-BD59-A6C34878D82A}">
+                    <a16:rowId xmlns:a16="http://schemas.microsoft.com/office/drawing/2014/main" val="842400331"/>
+                  </a:ext>
+                </a:extLst>
+              </a:tr>
+              <a:tr h="124741">
+                <a:tc>
+                  <a:txBody>
+                    <a:bodyPr/>
+                    <a:lstStyle/>
+                    <a:p>
+                      <a:pPr lvl="0" algn="ctr" fontAlgn="b"/>
+                      <a:r>
+                        <a:rPr lang="en-US" sz="700" b="1" i="0" u="none" strike="noStrike">
+                          <a:solidFill>
+                            <a:srgbClr val="000000"/>
+                          </a:solidFill>
+                          <a:effectLst/>
+                          <a:latin typeface="+mn-lt"/>
+                        </a:rPr>
+                        <a:t>98105</a:t>
+                      </a:r>
+                    </a:p>
+                  </a:txBody>
+                  <a:tcPr marL="9525" marR="9525" marT="9525" marB="0" anchor="ctr"/>
+                </a:tc>
+                <a:tc>
+                  <a:txBody>
+                    <a:bodyPr/>
+                    <a:lstStyle/>
+                    <a:p>
+                      <a:pPr lvl="0" algn="ctr" fontAlgn="b"/>
+                      <a:r>
+                        <a:rPr lang="en-US" sz="700" b="1" i="0" u="none" strike="noStrike">
+                          <a:solidFill>
+                            <a:srgbClr val="000000"/>
+                          </a:solidFill>
+                          <a:effectLst/>
+                          <a:latin typeface="+mn-lt"/>
+                        </a:rPr>
+                        <a:t>148%</a:t>
+                      </a:r>
+                    </a:p>
+                  </a:txBody>
+                  <a:tcPr marL="9525" marR="9525" marT="9525" marB="0" anchor="ctr"/>
+                </a:tc>
+                <a:extLst>
+                  <a:ext uri="{0D108BD9-81ED-4DB2-BD59-A6C34878D82A}">
+                    <a16:rowId xmlns:a16="http://schemas.microsoft.com/office/drawing/2014/main" val="798900831"/>
+                  </a:ext>
+                </a:extLst>
+              </a:tr>
+              <a:tr h="124741">
+                <a:tc>
+                  <a:txBody>
+                    <a:bodyPr/>
+                    <a:lstStyle/>
+                    <a:p>
+                      <a:pPr lvl="0" algn="ctr" fontAlgn="b"/>
+                      <a:r>
+                        <a:rPr lang="en-US" sz="700" b="1" i="0" u="none" strike="noStrike">
+                          <a:solidFill>
+                            <a:srgbClr val="000000"/>
+                          </a:solidFill>
+                          <a:effectLst/>
+                          <a:latin typeface="+mn-lt"/>
+                        </a:rPr>
+                        <a:t>98119</a:t>
+                      </a:r>
+                    </a:p>
+                  </a:txBody>
+                  <a:tcPr marL="9525" marR="9525" marT="9525" marB="0" anchor="ctr"/>
+                </a:tc>
+                <a:tc>
+                  <a:txBody>
+                    <a:bodyPr/>
+                    <a:lstStyle/>
+                    <a:p>
+                      <a:pPr lvl="0" algn="ctr" fontAlgn="b"/>
+                      <a:r>
+                        <a:rPr lang="en-US" sz="700" b="1" i="0" u="none" strike="noStrike" dirty="0">
+                          <a:solidFill>
+                            <a:srgbClr val="000000"/>
+                          </a:solidFill>
+                          <a:effectLst/>
+                          <a:latin typeface="+mn-lt"/>
+                        </a:rPr>
+                        <a:t>144%</a:t>
+                      </a:r>
+                    </a:p>
+                  </a:txBody>
+                  <a:tcPr marL="9525" marR="9525" marT="9525" marB="0" anchor="ctr"/>
+                </a:tc>
+                <a:extLst>
+                  <a:ext uri="{0D108BD9-81ED-4DB2-BD59-A6C34878D82A}">
+                    <a16:rowId xmlns:a16="http://schemas.microsoft.com/office/drawing/2014/main" val="2489545174"/>
+                  </a:ext>
+                </a:extLst>
+              </a:tr>
+              <a:tr h="124741">
+                <a:tc>
+                  <a:txBody>
+                    <a:bodyPr/>
+                    <a:lstStyle/>
+                    <a:p>
+                      <a:pPr lvl="0" algn="ctr" fontAlgn="b"/>
+                      <a:r>
+                        <a:rPr lang="en-US" sz="700" b="1" i="0" u="none" strike="noStrike" dirty="0">
+                          <a:solidFill>
+                            <a:srgbClr val="000000"/>
+                          </a:solidFill>
+                          <a:effectLst/>
+                          <a:latin typeface="+mn-lt"/>
+                        </a:rPr>
+                        <a:t>98102</a:t>
+                      </a:r>
+                    </a:p>
+                  </a:txBody>
+                  <a:tcPr marL="9525" marR="9525" marT="9525" marB="0" anchor="ctr"/>
+                </a:tc>
+                <a:tc>
+                  <a:txBody>
+                    <a:bodyPr/>
+                    <a:lstStyle/>
+                    <a:p>
+                      <a:pPr lvl="0" algn="ctr" fontAlgn="b"/>
+                      <a:r>
+                        <a:rPr lang="en-US" sz="700" b="1" i="0" u="none" strike="noStrike">
+                          <a:solidFill>
+                            <a:srgbClr val="000000"/>
+                          </a:solidFill>
+                          <a:effectLst/>
+                          <a:latin typeface="+mn-lt"/>
+                        </a:rPr>
+                        <a:t>129%</a:t>
+                      </a:r>
+                    </a:p>
+                  </a:txBody>
+                  <a:tcPr marL="9525" marR="9525" marT="9525" marB="0" anchor="ctr"/>
+                </a:tc>
+                <a:extLst>
+                  <a:ext uri="{0D108BD9-81ED-4DB2-BD59-A6C34878D82A}">
+                    <a16:rowId xmlns:a16="http://schemas.microsoft.com/office/drawing/2014/main" val="367174985"/>
+                  </a:ext>
+                </a:extLst>
+              </a:tr>
+              <a:tr h="124741">
+                <a:tc>
+                  <a:txBody>
+                    <a:bodyPr/>
+                    <a:lstStyle/>
+                    <a:p>
+                      <a:pPr lvl="0" algn="ctr" fontAlgn="b"/>
+                      <a:r>
+                        <a:rPr lang="en-US" sz="700" b="1" i="0" u="none" strike="noStrike" dirty="0">
+                          <a:solidFill>
+                            <a:srgbClr val="000000"/>
+                          </a:solidFill>
+                          <a:effectLst/>
+                          <a:latin typeface="+mn-lt"/>
+                        </a:rPr>
+                        <a:t>98199</a:t>
+                      </a:r>
+                    </a:p>
+                  </a:txBody>
+                  <a:tcPr marL="9525" marR="9525" marT="9525" marB="0" anchor="ctr"/>
+                </a:tc>
+                <a:tc>
+                  <a:txBody>
+                    <a:bodyPr/>
+                    <a:lstStyle/>
+                    <a:p>
+                      <a:pPr lvl="0" algn="ctr" fontAlgn="b"/>
+                      <a:r>
+                        <a:rPr lang="en-US" sz="700" b="1" i="0" u="none" strike="noStrike">
+                          <a:solidFill>
+                            <a:srgbClr val="000000"/>
+                          </a:solidFill>
+                          <a:effectLst/>
+                          <a:latin typeface="+mn-lt"/>
+                        </a:rPr>
+                        <a:t>126%</a:t>
+                      </a:r>
+                    </a:p>
+                  </a:txBody>
+                  <a:tcPr marL="9525" marR="9525" marT="9525" marB="0" anchor="ctr"/>
+                </a:tc>
+                <a:extLst>
+                  <a:ext uri="{0D108BD9-81ED-4DB2-BD59-A6C34878D82A}">
+                    <a16:rowId xmlns:a16="http://schemas.microsoft.com/office/drawing/2014/main" val="1321309687"/>
+                  </a:ext>
+                </a:extLst>
+              </a:tr>
+              <a:tr h="124741">
+                <a:tc>
+                  <a:txBody>
+                    <a:bodyPr/>
+                    <a:lstStyle/>
+                    <a:p>
+                      <a:pPr lvl="0" algn="ctr" fontAlgn="b"/>
+                      <a:r>
+                        <a:rPr lang="en-US" sz="700" b="1" i="0" u="none" strike="noStrike" dirty="0">
+                          <a:solidFill>
+                            <a:srgbClr val="000000"/>
+                          </a:solidFill>
+                          <a:effectLst/>
+                          <a:latin typeface="+mn-lt"/>
+                        </a:rPr>
+                        <a:t>98033</a:t>
+                      </a:r>
+                    </a:p>
+                  </a:txBody>
+                  <a:tcPr marL="9525" marR="9525" marT="9525" marB="0" anchor="ctr"/>
+                </a:tc>
+                <a:tc>
+                  <a:txBody>
+                    <a:bodyPr/>
+                    <a:lstStyle/>
+                    <a:p>
+                      <a:pPr lvl="0" algn="ctr" fontAlgn="b"/>
+                      <a:r>
+                        <a:rPr lang="en-US" sz="700" b="1" i="0" u="none" strike="noStrike" dirty="0">
+                          <a:solidFill>
+                            <a:srgbClr val="000000"/>
+                          </a:solidFill>
+                          <a:effectLst/>
+                          <a:latin typeface="+mn-lt"/>
+                        </a:rPr>
+                        <a:t>121%</a:t>
+                      </a:r>
+                    </a:p>
+                  </a:txBody>
+                  <a:tcPr marL="9525" marR="9525" marT="9525" marB="0" anchor="ctr"/>
+                </a:tc>
+                <a:extLst>
+                  <a:ext uri="{0D108BD9-81ED-4DB2-BD59-A6C34878D82A}">
+                    <a16:rowId xmlns:a16="http://schemas.microsoft.com/office/drawing/2014/main" val="980395020"/>
+                  </a:ext>
+                </a:extLst>
+              </a:tr>
+              <a:tr h="124741">
+                <a:tc>
+                  <a:txBody>
+                    <a:bodyPr/>
+                    <a:lstStyle/>
+                    <a:p>
+                      <a:pPr lvl="0" algn="ctr" fontAlgn="b"/>
+                      <a:r>
+                        <a:rPr lang="en-US" sz="700" b="1" i="0" u="none" strike="noStrike">
+                          <a:solidFill>
+                            <a:srgbClr val="000000"/>
+                          </a:solidFill>
+                          <a:effectLst/>
+                          <a:latin typeface="+mn-lt"/>
+                        </a:rPr>
+                        <a:t>98115</a:t>
+                      </a:r>
+                    </a:p>
+                  </a:txBody>
+                  <a:tcPr marL="9525" marR="9525" marT="9525" marB="0" anchor="ctr"/>
+                </a:tc>
+                <a:tc>
+                  <a:txBody>
+                    <a:bodyPr/>
+                    <a:lstStyle/>
+                    <a:p>
+                      <a:pPr lvl="0" algn="ctr" fontAlgn="b"/>
+                      <a:r>
+                        <a:rPr lang="en-US" sz="700" b="1" i="0" u="none" strike="noStrike" dirty="0">
+                          <a:solidFill>
+                            <a:srgbClr val="000000"/>
+                          </a:solidFill>
+                          <a:effectLst/>
+                          <a:latin typeface="+mn-lt"/>
+                        </a:rPr>
+                        <a:t>116%</a:t>
+                      </a:r>
+                    </a:p>
+                  </a:txBody>
+                  <a:tcPr marL="9525" marR="9525" marT="9525" marB="0" anchor="ctr"/>
+                </a:tc>
+                <a:extLst>
+                  <a:ext uri="{0D108BD9-81ED-4DB2-BD59-A6C34878D82A}">
+                    <a16:rowId xmlns:a16="http://schemas.microsoft.com/office/drawing/2014/main" val="838895008"/>
+                  </a:ext>
+                </a:extLst>
+              </a:tr>
+              <a:tr h="124741">
+                <a:tc>
+                  <a:txBody>
+                    <a:bodyPr/>
+                    <a:lstStyle/>
+                    <a:p>
+                      <a:pPr lvl="0" algn="ctr" fontAlgn="b"/>
+                      <a:r>
+                        <a:rPr lang="en-US" sz="700" b="1" i="0" u="none" strike="noStrike" dirty="0">
+                          <a:solidFill>
+                            <a:srgbClr val="000000"/>
+                          </a:solidFill>
+                          <a:effectLst/>
+                          <a:latin typeface="+mn-lt"/>
+                        </a:rPr>
+                        <a:t>98005</a:t>
+                      </a:r>
+                    </a:p>
+                  </a:txBody>
+                  <a:tcPr marL="9525" marR="9525" marT="9525" marB="0" anchor="ctr"/>
+                </a:tc>
+                <a:tc>
+                  <a:txBody>
+                    <a:bodyPr/>
+                    <a:lstStyle/>
+                    <a:p>
+                      <a:pPr lvl="0" algn="ctr" fontAlgn="b"/>
+                      <a:r>
+                        <a:rPr lang="en-US" sz="700" b="1" i="0" u="none" strike="noStrike" dirty="0">
+                          <a:solidFill>
+                            <a:srgbClr val="000000"/>
+                          </a:solidFill>
+                          <a:effectLst/>
+                          <a:latin typeface="+mn-lt"/>
+                        </a:rPr>
+                        <a:t>114%</a:t>
+                      </a:r>
+                    </a:p>
+                  </a:txBody>
+                  <a:tcPr marL="9525" marR="9525" marT="9525" marB="0" anchor="ctr"/>
+                </a:tc>
+                <a:extLst>
+                  <a:ext uri="{0D108BD9-81ED-4DB2-BD59-A6C34878D82A}">
+                    <a16:rowId xmlns:a16="http://schemas.microsoft.com/office/drawing/2014/main" val="3223977279"/>
+                  </a:ext>
+                </a:extLst>
+              </a:tr>
+              <a:tr h="124741">
+                <a:tc>
+                  <a:txBody>
+                    <a:bodyPr/>
+                    <a:lstStyle/>
+                    <a:p>
+                      <a:pPr lvl="0" algn="ctr" fontAlgn="b"/>
+                      <a:r>
+                        <a:rPr lang="en-US" sz="700" b="1" i="0" u="none" strike="noStrike" dirty="0">
+                          <a:solidFill>
+                            <a:srgbClr val="000000"/>
+                          </a:solidFill>
+                          <a:effectLst/>
+                          <a:latin typeface="+mn-lt"/>
+                        </a:rPr>
+                        <a:t>98117</a:t>
+                      </a:r>
+                    </a:p>
+                  </a:txBody>
+                  <a:tcPr marL="9525" marR="9525" marT="9525" marB="0" anchor="ctr"/>
+                </a:tc>
+                <a:tc>
+                  <a:txBody>
+                    <a:bodyPr/>
+                    <a:lstStyle/>
+                    <a:p>
+                      <a:pPr lvl="0" algn="ctr" fontAlgn="b"/>
+                      <a:r>
+                        <a:rPr lang="en-US" sz="700" b="1" i="0" u="none" strike="noStrike" dirty="0">
+                          <a:solidFill>
+                            <a:srgbClr val="000000"/>
+                          </a:solidFill>
+                          <a:effectLst/>
+                          <a:latin typeface="+mn-lt"/>
+                        </a:rPr>
+                        <a:t>110%</a:t>
+                      </a:r>
+                    </a:p>
+                  </a:txBody>
+                  <a:tcPr marL="9525" marR="9525" marT="9525" marB="0" anchor="ctr"/>
+                </a:tc>
+                <a:extLst>
+                  <a:ext uri="{0D108BD9-81ED-4DB2-BD59-A6C34878D82A}">
+                    <a16:rowId xmlns:a16="http://schemas.microsoft.com/office/drawing/2014/main" val="2734180865"/>
+                  </a:ext>
+                </a:extLst>
+              </a:tr>
+              <a:tr h="124741">
+                <a:tc>
+                  <a:txBody>
+                    <a:bodyPr/>
+                    <a:lstStyle/>
+                    <a:p>
+                      <a:pPr lvl="0" algn="ctr" fontAlgn="b"/>
+                      <a:r>
+                        <a:rPr lang="en-US" sz="700" b="1" i="0" u="none" strike="noStrike" dirty="0">
+                          <a:solidFill>
+                            <a:srgbClr val="000000"/>
+                          </a:solidFill>
+                          <a:effectLst/>
+                          <a:latin typeface="+mn-lt"/>
+                        </a:rPr>
+                        <a:t>98103</a:t>
+                      </a:r>
+                    </a:p>
+                  </a:txBody>
+                  <a:tcPr marL="9525" marR="9525" marT="9525" marB="0" anchor="ctr"/>
+                </a:tc>
+                <a:tc>
+                  <a:txBody>
+                    <a:bodyPr/>
+                    <a:lstStyle/>
+                    <a:p>
+                      <a:pPr lvl="0" algn="ctr" fontAlgn="b"/>
+                      <a:r>
+                        <a:rPr lang="en-US" sz="700" b="1" i="0" u="none" strike="noStrike" dirty="0">
+                          <a:solidFill>
+                            <a:srgbClr val="000000"/>
+                          </a:solidFill>
+                          <a:effectLst/>
+                          <a:latin typeface="+mn-lt"/>
+                        </a:rPr>
+                        <a:t>106%</a:t>
+                      </a:r>
+                    </a:p>
+                  </a:txBody>
+                  <a:tcPr marL="9525" marR="9525" marT="9525" marB="0" anchor="ctr"/>
+                </a:tc>
+                <a:extLst>
+                  <a:ext uri="{0D108BD9-81ED-4DB2-BD59-A6C34878D82A}">
+                    <a16:rowId xmlns:a16="http://schemas.microsoft.com/office/drawing/2014/main" val="2067113447"/>
+                  </a:ext>
+                </a:extLst>
+              </a:tr>
+              <a:tr h="124741">
+                <a:tc>
+                  <a:txBody>
+                    <a:bodyPr/>
+                    <a:lstStyle/>
+                    <a:p>
+                      <a:pPr lvl="0" algn="ctr" fontAlgn="b"/>
+                      <a:r>
+                        <a:rPr lang="en-US" sz="700" b="1" i="0" u="none" strike="noStrike" dirty="0">
+                          <a:solidFill>
+                            <a:srgbClr val="000000"/>
+                          </a:solidFill>
+                          <a:effectLst/>
+                          <a:latin typeface="+mn-lt"/>
+                        </a:rPr>
+                        <a:t>98116</a:t>
+                      </a:r>
+                    </a:p>
+                  </a:txBody>
+                  <a:tcPr marL="9525" marR="9525" marT="9525" marB="0" anchor="ctr"/>
+                </a:tc>
+                <a:tc>
+                  <a:txBody>
+                    <a:bodyPr/>
+                    <a:lstStyle/>
+                    <a:p>
+                      <a:pPr lvl="0" algn="ctr" fontAlgn="b"/>
+                      <a:r>
+                        <a:rPr lang="en-US" sz="700" b="1" i="0" u="none" strike="noStrike" dirty="0">
+                          <a:solidFill>
+                            <a:srgbClr val="000000"/>
+                          </a:solidFill>
+                          <a:effectLst/>
+                          <a:latin typeface="+mn-lt"/>
+                        </a:rPr>
+                        <a:t>104%</a:t>
+                      </a:r>
+                    </a:p>
+                  </a:txBody>
+                  <a:tcPr marL="9525" marR="9525" marT="9525" marB="0" anchor="ctr"/>
+                </a:tc>
+                <a:extLst>
+                  <a:ext uri="{0D108BD9-81ED-4DB2-BD59-A6C34878D82A}">
+                    <a16:rowId xmlns:a16="http://schemas.microsoft.com/office/drawing/2014/main" val="3653343155"/>
+                  </a:ext>
+                </a:extLst>
+              </a:tr>
+              <a:tr h="124741">
+                <a:tc>
+                  <a:txBody>
+                    <a:bodyPr/>
+                    <a:lstStyle/>
+                    <a:p>
+                      <a:pPr lvl="0" algn="ctr" fontAlgn="b"/>
+                      <a:r>
+                        <a:rPr lang="en-US" sz="700" b="1" i="0" u="none" strike="noStrike" dirty="0">
+                          <a:solidFill>
+                            <a:srgbClr val="000000"/>
+                          </a:solidFill>
+                          <a:effectLst/>
+                          <a:latin typeface="+mn-lt"/>
+                        </a:rPr>
+                        <a:t>98107</a:t>
+                      </a:r>
+                    </a:p>
+                  </a:txBody>
+                  <a:tcPr marL="9525" marR="9525" marT="9525" marB="0" anchor="ctr"/>
+                </a:tc>
+                <a:tc>
+                  <a:txBody>
+                    <a:bodyPr/>
+                    <a:lstStyle/>
+                    <a:p>
+                      <a:pPr lvl="0" algn="ctr" fontAlgn="b"/>
+                      <a:r>
+                        <a:rPr lang="en-US" sz="700" b="1" i="0" u="none" strike="noStrike" dirty="0">
+                          <a:solidFill>
+                            <a:srgbClr val="000000"/>
+                          </a:solidFill>
+                          <a:effectLst/>
+                          <a:latin typeface="+mn-lt"/>
+                        </a:rPr>
+                        <a:t>103%</a:t>
+                      </a:r>
+                    </a:p>
+                  </a:txBody>
+                  <a:tcPr marL="9525" marR="9525" marT="9525" marB="0" anchor="ctr"/>
+                </a:tc>
+                <a:extLst>
+                  <a:ext uri="{0D108BD9-81ED-4DB2-BD59-A6C34878D82A}">
+                    <a16:rowId xmlns:a16="http://schemas.microsoft.com/office/drawing/2014/main" val="2997693093"/>
+                  </a:ext>
+                </a:extLst>
+              </a:tr>
+              <a:tr h="124741">
+                <a:tc>
+                  <a:txBody>
+                    <a:bodyPr/>
+                    <a:lstStyle/>
+                    <a:p>
+                      <a:pPr lvl="0" algn="ctr" fontAlgn="b"/>
+                      <a:r>
+                        <a:rPr lang="en-US" sz="700" b="0" i="0" u="none" strike="noStrike">
+                          <a:solidFill>
+                            <a:srgbClr val="000000"/>
+                          </a:solidFill>
+                          <a:effectLst/>
+                          <a:latin typeface="+mn-lt"/>
+                        </a:rPr>
+                        <a:t>98122</a:t>
+                      </a:r>
+                    </a:p>
+                  </a:txBody>
+                  <a:tcPr marL="9525" marR="9525" marT="9525" marB="0" anchor="ctr"/>
+                </a:tc>
+                <a:tc>
+                  <a:txBody>
+                    <a:bodyPr/>
+                    <a:lstStyle/>
+                    <a:p>
+                      <a:pPr lvl="0" algn="ctr" fontAlgn="b"/>
+                      <a:r>
+                        <a:rPr lang="en-US" sz="700" b="0" i="0" u="none" strike="noStrike" dirty="0">
+                          <a:solidFill>
+                            <a:srgbClr val="000000"/>
+                          </a:solidFill>
+                          <a:effectLst/>
+                          <a:latin typeface="+mn-lt"/>
+                        </a:rPr>
+                        <a:t>98%</a:t>
+                      </a:r>
+                    </a:p>
+                  </a:txBody>
+                  <a:tcPr marL="9525" marR="9525" marT="9525" marB="0" anchor="ctr"/>
+                </a:tc>
+                <a:extLst>
+                  <a:ext uri="{0D108BD9-81ED-4DB2-BD59-A6C34878D82A}">
+                    <a16:rowId xmlns:a16="http://schemas.microsoft.com/office/drawing/2014/main" val="4157588188"/>
+                  </a:ext>
+                </a:extLst>
+              </a:tr>
+              <a:tr h="124741">
+                <a:tc>
+                  <a:txBody>
+                    <a:bodyPr/>
+                    <a:lstStyle/>
+                    <a:p>
+                      <a:pPr lvl="0" algn="ctr" fontAlgn="b"/>
+                      <a:r>
+                        <a:rPr lang="en-US" sz="700" b="0" i="0" u="none" strike="noStrike">
+                          <a:solidFill>
+                            <a:srgbClr val="000000"/>
+                          </a:solidFill>
+                          <a:effectLst/>
+                          <a:latin typeface="+mn-lt"/>
+                        </a:rPr>
+                        <a:t>98006</a:t>
+                      </a:r>
+                    </a:p>
+                  </a:txBody>
+                  <a:tcPr marL="9525" marR="9525" marT="9525" marB="0" anchor="ctr"/>
+                </a:tc>
+                <a:tc>
+                  <a:txBody>
+                    <a:bodyPr/>
+                    <a:lstStyle/>
+                    <a:p>
+                      <a:pPr lvl="0" algn="ctr" fontAlgn="b"/>
+                      <a:r>
+                        <a:rPr lang="en-US" sz="700" b="0" i="0" u="none" strike="noStrike">
+                          <a:solidFill>
+                            <a:srgbClr val="000000"/>
+                          </a:solidFill>
+                          <a:effectLst/>
+                          <a:latin typeface="+mn-lt"/>
+                        </a:rPr>
+                        <a:t>98%</a:t>
+                      </a:r>
+                    </a:p>
+                  </a:txBody>
+                  <a:tcPr marL="9525" marR="9525" marT="9525" marB="0" anchor="ctr"/>
+                </a:tc>
+                <a:extLst>
+                  <a:ext uri="{0D108BD9-81ED-4DB2-BD59-A6C34878D82A}">
+                    <a16:rowId xmlns:a16="http://schemas.microsoft.com/office/drawing/2014/main" val="3120609275"/>
+                  </a:ext>
+                </a:extLst>
+              </a:tr>
+              <a:tr h="124741">
+                <a:tc>
+                  <a:txBody>
+                    <a:bodyPr/>
+                    <a:lstStyle/>
+                    <a:p>
+                      <a:pPr lvl="0" algn="ctr" fontAlgn="b"/>
+                      <a:r>
+                        <a:rPr lang="en-US" sz="700" b="0" i="0" u="none" strike="noStrike">
+                          <a:solidFill>
+                            <a:srgbClr val="000000"/>
+                          </a:solidFill>
+                          <a:effectLst/>
+                          <a:latin typeface="+mn-lt"/>
+                        </a:rPr>
+                        <a:t>98008</a:t>
+                      </a:r>
+                    </a:p>
+                  </a:txBody>
+                  <a:tcPr marL="9525" marR="9525" marT="9525" marB="0" anchor="ctr"/>
+                </a:tc>
+                <a:tc>
+                  <a:txBody>
+                    <a:bodyPr/>
+                    <a:lstStyle/>
+                    <a:p>
+                      <a:pPr lvl="0" algn="ctr" fontAlgn="b"/>
+                      <a:r>
+                        <a:rPr lang="en-US" sz="700" b="0" i="0" u="none" strike="noStrike">
+                          <a:solidFill>
+                            <a:srgbClr val="000000"/>
+                          </a:solidFill>
+                          <a:effectLst/>
+                          <a:latin typeface="+mn-lt"/>
+                        </a:rPr>
+                        <a:t>97%</a:t>
+                      </a:r>
+                    </a:p>
+                  </a:txBody>
+                  <a:tcPr marL="9525" marR="9525" marT="9525" marB="0" anchor="ctr"/>
+                </a:tc>
+                <a:extLst>
+                  <a:ext uri="{0D108BD9-81ED-4DB2-BD59-A6C34878D82A}">
+                    <a16:rowId xmlns:a16="http://schemas.microsoft.com/office/drawing/2014/main" val="1054576235"/>
+                  </a:ext>
+                </a:extLst>
+              </a:tr>
+              <a:tr h="124741">
+                <a:tc>
+                  <a:txBody>
+                    <a:bodyPr/>
+                    <a:lstStyle/>
+                    <a:p>
+                      <a:pPr lvl="0" algn="ctr" fontAlgn="b"/>
+                      <a:r>
+                        <a:rPr lang="en-US" sz="700" b="0" i="0" u="none" strike="noStrike">
+                          <a:solidFill>
+                            <a:srgbClr val="000000"/>
+                          </a:solidFill>
+                          <a:effectLst/>
+                          <a:latin typeface="+mn-lt"/>
+                        </a:rPr>
+                        <a:t>98053</a:t>
+                      </a:r>
+                    </a:p>
+                  </a:txBody>
+                  <a:tcPr marL="9525" marR="9525" marT="9525" marB="0" anchor="ctr"/>
+                </a:tc>
+                <a:tc>
+                  <a:txBody>
+                    <a:bodyPr/>
+                    <a:lstStyle/>
+                    <a:p>
+                      <a:pPr lvl="0" algn="ctr" fontAlgn="b"/>
+                      <a:r>
+                        <a:rPr lang="en-US" sz="700" b="0" i="0" u="none" strike="noStrike">
+                          <a:solidFill>
+                            <a:srgbClr val="000000"/>
+                          </a:solidFill>
+                          <a:effectLst/>
+                          <a:latin typeface="+mn-lt"/>
+                        </a:rPr>
+                        <a:t>92%</a:t>
+                      </a:r>
+                    </a:p>
+                  </a:txBody>
+                  <a:tcPr marL="9525" marR="9525" marT="9525" marB="0" anchor="ctr"/>
+                </a:tc>
+                <a:extLst>
+                  <a:ext uri="{0D108BD9-81ED-4DB2-BD59-A6C34878D82A}">
+                    <a16:rowId xmlns:a16="http://schemas.microsoft.com/office/drawing/2014/main" val="3998655735"/>
+                  </a:ext>
+                </a:extLst>
+              </a:tr>
+              <a:tr h="124741">
+                <a:tc>
+                  <a:txBody>
+                    <a:bodyPr/>
+                    <a:lstStyle/>
+                    <a:p>
+                      <a:pPr lvl="0" algn="ctr" fontAlgn="b"/>
+                      <a:r>
+                        <a:rPr lang="en-US" sz="700" b="0" i="0" u="none" strike="noStrike">
+                          <a:solidFill>
+                            <a:srgbClr val="000000"/>
+                          </a:solidFill>
+                          <a:effectLst/>
+                          <a:latin typeface="+mn-lt"/>
+                        </a:rPr>
+                        <a:t>98136</a:t>
+                      </a:r>
+                    </a:p>
+                  </a:txBody>
+                  <a:tcPr marL="9525" marR="9525" marT="9525" marB="0" anchor="ctr"/>
+                </a:tc>
+                <a:tc>
+                  <a:txBody>
+                    <a:bodyPr/>
+                    <a:lstStyle/>
+                    <a:p>
+                      <a:pPr lvl="0" algn="ctr" fontAlgn="b"/>
+                      <a:r>
+                        <a:rPr lang="en-US" sz="700" b="0" i="0" u="none" strike="noStrike">
+                          <a:solidFill>
+                            <a:srgbClr val="000000"/>
+                          </a:solidFill>
+                          <a:effectLst/>
+                          <a:latin typeface="+mn-lt"/>
+                        </a:rPr>
+                        <a:t>90%</a:t>
+                      </a:r>
+                    </a:p>
+                  </a:txBody>
+                  <a:tcPr marL="9525" marR="9525" marT="9525" marB="0" anchor="ctr"/>
+                </a:tc>
+                <a:extLst>
+                  <a:ext uri="{0D108BD9-81ED-4DB2-BD59-A6C34878D82A}">
+                    <a16:rowId xmlns:a16="http://schemas.microsoft.com/office/drawing/2014/main" val="2516743255"/>
+                  </a:ext>
+                </a:extLst>
+              </a:tr>
+              <a:tr h="124741">
+                <a:tc>
+                  <a:txBody>
+                    <a:bodyPr/>
+                    <a:lstStyle/>
+                    <a:p>
+                      <a:pPr lvl="0" algn="ctr" fontAlgn="b"/>
+                      <a:r>
+                        <a:rPr lang="en-US" sz="700" b="0" i="0" u="none" strike="noStrike">
+                          <a:solidFill>
+                            <a:srgbClr val="000000"/>
+                          </a:solidFill>
+                          <a:effectLst/>
+                          <a:latin typeface="+mn-lt"/>
+                        </a:rPr>
+                        <a:t>98177</a:t>
+                      </a:r>
+                    </a:p>
+                  </a:txBody>
+                  <a:tcPr marL="9525" marR="9525" marT="9525" marB="0" anchor="ctr"/>
+                </a:tc>
+                <a:tc>
+                  <a:txBody>
+                    <a:bodyPr/>
+                    <a:lstStyle/>
+                    <a:p>
+                      <a:pPr lvl="0" algn="ctr" fontAlgn="b"/>
+                      <a:r>
+                        <a:rPr lang="en-US" sz="700" b="0" i="0" u="none" strike="noStrike">
+                          <a:solidFill>
+                            <a:srgbClr val="000000"/>
+                          </a:solidFill>
+                          <a:effectLst/>
+                          <a:latin typeface="+mn-lt"/>
+                        </a:rPr>
+                        <a:t>89%</a:t>
+                      </a:r>
+                    </a:p>
+                  </a:txBody>
+                  <a:tcPr marL="9525" marR="9525" marT="9525" marB="0" anchor="ctr"/>
+                </a:tc>
+                <a:extLst>
+                  <a:ext uri="{0D108BD9-81ED-4DB2-BD59-A6C34878D82A}">
+                    <a16:rowId xmlns:a16="http://schemas.microsoft.com/office/drawing/2014/main" val="2925738707"/>
+                  </a:ext>
+                </a:extLst>
+              </a:tr>
+              <a:tr h="124741">
+                <a:tc>
+                  <a:txBody>
+                    <a:bodyPr/>
+                    <a:lstStyle/>
+                    <a:p>
+                      <a:pPr lvl="0" algn="ctr" fontAlgn="b"/>
+                      <a:r>
+                        <a:rPr lang="en-US" sz="700" b="0" i="0" u="none" strike="noStrike">
+                          <a:solidFill>
+                            <a:srgbClr val="000000"/>
+                          </a:solidFill>
+                          <a:effectLst/>
+                          <a:latin typeface="+mn-lt"/>
+                        </a:rPr>
+                        <a:t>98075</a:t>
+                      </a:r>
+                    </a:p>
+                  </a:txBody>
+                  <a:tcPr marL="9525" marR="9525" marT="9525" marB="0" anchor="ctr"/>
+                </a:tc>
+                <a:tc>
+                  <a:txBody>
+                    <a:bodyPr/>
+                    <a:lstStyle/>
+                    <a:p>
+                      <a:pPr lvl="0" algn="ctr" fontAlgn="b"/>
+                      <a:r>
+                        <a:rPr lang="en-US" sz="700" b="0" i="0" u="none" strike="noStrike">
+                          <a:solidFill>
+                            <a:srgbClr val="000000"/>
+                          </a:solidFill>
+                          <a:effectLst/>
+                          <a:latin typeface="+mn-lt"/>
+                        </a:rPr>
+                        <a:t>86%</a:t>
+                      </a:r>
+                    </a:p>
+                  </a:txBody>
+                  <a:tcPr marL="9525" marR="9525" marT="9525" marB="0" anchor="ctr"/>
+                </a:tc>
+                <a:extLst>
+                  <a:ext uri="{0D108BD9-81ED-4DB2-BD59-A6C34878D82A}">
+                    <a16:rowId xmlns:a16="http://schemas.microsoft.com/office/drawing/2014/main" val="3539104172"/>
+                  </a:ext>
+                </a:extLst>
+              </a:tr>
+              <a:tr h="124741">
+                <a:tc>
+                  <a:txBody>
+                    <a:bodyPr/>
+                    <a:lstStyle/>
+                    <a:p>
+                      <a:pPr lvl="0" algn="ctr" fontAlgn="b"/>
+                      <a:r>
+                        <a:rPr lang="en-US" sz="700" b="0" i="0" u="none" strike="noStrike">
+                          <a:solidFill>
+                            <a:srgbClr val="000000"/>
+                          </a:solidFill>
+                          <a:effectLst/>
+                          <a:latin typeface="+mn-lt"/>
+                        </a:rPr>
+                        <a:t>98007</a:t>
+                      </a:r>
+                    </a:p>
+                  </a:txBody>
+                  <a:tcPr marL="9525" marR="9525" marT="9525" marB="0" anchor="ctr"/>
+                </a:tc>
+                <a:tc>
+                  <a:txBody>
+                    <a:bodyPr/>
+                    <a:lstStyle/>
+                    <a:p>
+                      <a:pPr lvl="0" algn="ctr" fontAlgn="b"/>
+                      <a:r>
+                        <a:rPr lang="en-US" sz="700" b="0" i="0" u="none" strike="noStrike">
+                          <a:solidFill>
+                            <a:srgbClr val="000000"/>
+                          </a:solidFill>
+                          <a:effectLst/>
+                          <a:latin typeface="+mn-lt"/>
+                        </a:rPr>
+                        <a:t>86%</a:t>
+                      </a:r>
+                    </a:p>
+                  </a:txBody>
+                  <a:tcPr marL="9525" marR="9525" marT="9525" marB="0" anchor="ctr"/>
+                </a:tc>
+                <a:extLst>
+                  <a:ext uri="{0D108BD9-81ED-4DB2-BD59-A6C34878D82A}">
+                    <a16:rowId xmlns:a16="http://schemas.microsoft.com/office/drawing/2014/main" val="2807284341"/>
+                  </a:ext>
+                </a:extLst>
+              </a:tr>
+              <a:tr h="124741">
+                <a:tc>
+                  <a:txBody>
+                    <a:bodyPr/>
+                    <a:lstStyle/>
+                    <a:p>
+                      <a:pPr lvl="0" algn="ctr" fontAlgn="b"/>
+                      <a:r>
+                        <a:rPr lang="en-US" sz="700" b="0" i="0" u="none" strike="noStrike">
+                          <a:solidFill>
+                            <a:srgbClr val="000000"/>
+                          </a:solidFill>
+                          <a:effectLst/>
+                          <a:latin typeface="+mn-lt"/>
+                        </a:rPr>
+                        <a:t>98052</a:t>
+                      </a:r>
+                    </a:p>
+                  </a:txBody>
+                  <a:tcPr marL="9525" marR="9525" marT="9525" marB="0" anchor="ctr"/>
+                </a:tc>
+                <a:tc>
+                  <a:txBody>
+                    <a:bodyPr/>
+                    <a:lstStyle/>
+                    <a:p>
+                      <a:pPr lvl="0" algn="ctr" fontAlgn="b"/>
+                      <a:r>
+                        <a:rPr lang="en-US" sz="700" b="0" i="0" u="none" strike="noStrike">
+                          <a:solidFill>
+                            <a:srgbClr val="000000"/>
+                          </a:solidFill>
+                          <a:effectLst/>
+                          <a:latin typeface="+mn-lt"/>
+                        </a:rPr>
+                        <a:t>86%</a:t>
+                      </a:r>
+                    </a:p>
+                  </a:txBody>
+                  <a:tcPr marL="9525" marR="9525" marT="9525" marB="0" anchor="ctr"/>
+                </a:tc>
+                <a:extLst>
+                  <a:ext uri="{0D108BD9-81ED-4DB2-BD59-A6C34878D82A}">
+                    <a16:rowId xmlns:a16="http://schemas.microsoft.com/office/drawing/2014/main" val="2962806920"/>
+                  </a:ext>
+                </a:extLst>
+              </a:tr>
+              <a:tr h="124741">
+                <a:tc>
+                  <a:txBody>
+                    <a:bodyPr/>
+                    <a:lstStyle/>
+                    <a:p>
+                      <a:pPr lvl="0" algn="ctr" fontAlgn="b"/>
+                      <a:r>
+                        <a:rPr lang="en-US" sz="700" b="0" i="0" u="none" strike="noStrike">
+                          <a:solidFill>
+                            <a:srgbClr val="000000"/>
+                          </a:solidFill>
+                          <a:effectLst/>
+                          <a:latin typeface="+mn-lt"/>
+                        </a:rPr>
+                        <a:t>98144</a:t>
+                      </a:r>
+                    </a:p>
+                  </a:txBody>
+                  <a:tcPr marL="9525" marR="9525" marT="9525" marB="0" anchor="ctr"/>
+                </a:tc>
+                <a:tc>
+                  <a:txBody>
+                    <a:bodyPr/>
+                    <a:lstStyle/>
+                    <a:p>
+                      <a:pPr lvl="0" algn="ctr" fontAlgn="b"/>
+                      <a:r>
+                        <a:rPr lang="en-US" sz="700" b="0" i="0" u="none" strike="noStrike">
+                          <a:solidFill>
+                            <a:srgbClr val="000000"/>
+                          </a:solidFill>
+                          <a:effectLst/>
+                          <a:latin typeface="+mn-lt"/>
+                        </a:rPr>
+                        <a:t>85%</a:t>
+                      </a:r>
+                    </a:p>
+                  </a:txBody>
+                  <a:tcPr marL="9525" marR="9525" marT="9525" marB="0" anchor="ctr"/>
+                </a:tc>
+                <a:extLst>
+                  <a:ext uri="{0D108BD9-81ED-4DB2-BD59-A6C34878D82A}">
+                    <a16:rowId xmlns:a16="http://schemas.microsoft.com/office/drawing/2014/main" val="4223687759"/>
+                  </a:ext>
+                </a:extLst>
+              </a:tr>
+              <a:tr h="124741">
+                <a:tc>
+                  <a:txBody>
+                    <a:bodyPr/>
+                    <a:lstStyle/>
+                    <a:p>
+                      <a:pPr lvl="0" algn="ctr" fontAlgn="b"/>
+                      <a:r>
+                        <a:rPr lang="en-US" sz="700" b="0" i="0" u="none" strike="noStrike">
+                          <a:solidFill>
+                            <a:srgbClr val="000000"/>
+                          </a:solidFill>
+                          <a:effectLst/>
+                          <a:latin typeface="+mn-lt"/>
+                        </a:rPr>
+                        <a:t>98070</a:t>
+                      </a:r>
+                    </a:p>
+                  </a:txBody>
+                  <a:tcPr marL="9525" marR="9525" marT="9525" marB="0" anchor="ctr"/>
+                </a:tc>
+                <a:tc>
+                  <a:txBody>
+                    <a:bodyPr/>
+                    <a:lstStyle/>
+                    <a:p>
+                      <a:pPr lvl="0" algn="ctr" fontAlgn="b"/>
+                      <a:r>
+                        <a:rPr lang="en-US" sz="700" b="0" i="0" u="none" strike="noStrike">
+                          <a:solidFill>
+                            <a:srgbClr val="000000"/>
+                          </a:solidFill>
+                          <a:effectLst/>
+                          <a:latin typeface="+mn-lt"/>
+                        </a:rPr>
+                        <a:t>77%</a:t>
+                      </a:r>
+                    </a:p>
+                  </a:txBody>
+                  <a:tcPr marL="9525" marR="9525" marT="9525" marB="0" anchor="ctr"/>
+                </a:tc>
+                <a:extLst>
+                  <a:ext uri="{0D108BD9-81ED-4DB2-BD59-A6C34878D82A}">
+                    <a16:rowId xmlns:a16="http://schemas.microsoft.com/office/drawing/2014/main" val="1903597481"/>
+                  </a:ext>
+                </a:extLst>
+              </a:tr>
+              <a:tr h="124741">
+                <a:tc>
+                  <a:txBody>
+                    <a:bodyPr/>
+                    <a:lstStyle/>
+                    <a:p>
+                      <a:pPr lvl="0" algn="ctr" fontAlgn="b"/>
+                      <a:r>
+                        <a:rPr lang="en-US" sz="700" b="0" i="0" u="none" strike="noStrike">
+                          <a:solidFill>
+                            <a:srgbClr val="000000"/>
+                          </a:solidFill>
+                          <a:effectLst/>
+                          <a:latin typeface="+mn-lt"/>
+                        </a:rPr>
+                        <a:t>98074</a:t>
+                      </a:r>
+                    </a:p>
+                  </a:txBody>
+                  <a:tcPr marL="9525" marR="9525" marT="9525" marB="0" anchor="ctr"/>
+                </a:tc>
+                <a:tc>
+                  <a:txBody>
+                    <a:bodyPr/>
+                    <a:lstStyle/>
+                    <a:p>
+                      <a:pPr lvl="0" algn="ctr" fontAlgn="b"/>
+                      <a:r>
+                        <a:rPr lang="en-US" sz="700" b="0" i="0" u="none" strike="noStrike">
+                          <a:solidFill>
+                            <a:srgbClr val="000000"/>
+                          </a:solidFill>
+                          <a:effectLst/>
+                          <a:latin typeface="+mn-lt"/>
+                        </a:rPr>
+                        <a:t>75%</a:t>
+                      </a:r>
+                    </a:p>
+                  </a:txBody>
+                  <a:tcPr marL="9525" marR="9525" marT="9525" marB="0" anchor="ctr"/>
+                </a:tc>
+                <a:extLst>
+                  <a:ext uri="{0D108BD9-81ED-4DB2-BD59-A6C34878D82A}">
+                    <a16:rowId xmlns:a16="http://schemas.microsoft.com/office/drawing/2014/main" val="2157807146"/>
+                  </a:ext>
+                </a:extLst>
+              </a:tr>
+              <a:tr h="124741">
+                <a:tc>
+                  <a:txBody>
+                    <a:bodyPr/>
+                    <a:lstStyle/>
+                    <a:p>
+                      <a:pPr lvl="0" algn="ctr" fontAlgn="b"/>
+                      <a:r>
+                        <a:rPr lang="en-US" sz="700" b="0" i="0" u="none" strike="noStrike">
+                          <a:solidFill>
+                            <a:srgbClr val="000000"/>
+                          </a:solidFill>
+                          <a:effectLst/>
+                          <a:latin typeface="+mn-lt"/>
+                        </a:rPr>
+                        <a:t>98024</a:t>
+                      </a:r>
+                    </a:p>
+                  </a:txBody>
+                  <a:tcPr marL="9525" marR="9525" marT="9525" marB="0" anchor="ctr"/>
+                </a:tc>
+                <a:tc>
+                  <a:txBody>
+                    <a:bodyPr/>
+                    <a:lstStyle/>
+                    <a:p>
+                      <a:pPr lvl="0" algn="ctr" fontAlgn="b"/>
+                      <a:r>
+                        <a:rPr lang="en-US" sz="700" b="0" i="0" u="none" strike="noStrike">
+                          <a:solidFill>
+                            <a:srgbClr val="000000"/>
+                          </a:solidFill>
+                          <a:effectLst/>
+                          <a:latin typeface="+mn-lt"/>
+                        </a:rPr>
+                        <a:t>74%</a:t>
+                      </a:r>
+                    </a:p>
+                  </a:txBody>
+                  <a:tcPr marL="9525" marR="9525" marT="9525" marB="0" anchor="ctr"/>
+                </a:tc>
+                <a:extLst>
+                  <a:ext uri="{0D108BD9-81ED-4DB2-BD59-A6C34878D82A}">
+                    <a16:rowId xmlns:a16="http://schemas.microsoft.com/office/drawing/2014/main" val="3117194532"/>
+                  </a:ext>
+                </a:extLst>
+              </a:tr>
+              <a:tr h="124741">
+                <a:tc>
+                  <a:txBody>
+                    <a:bodyPr/>
+                    <a:lstStyle/>
+                    <a:p>
+                      <a:pPr lvl="0" algn="ctr" fontAlgn="b"/>
+                      <a:r>
+                        <a:rPr lang="en-US" sz="700" b="0" i="0" u="none" strike="noStrike">
+                          <a:solidFill>
+                            <a:srgbClr val="000000"/>
+                          </a:solidFill>
+                          <a:effectLst/>
+                          <a:latin typeface="+mn-lt"/>
+                        </a:rPr>
+                        <a:t>98125</a:t>
+                      </a:r>
+                    </a:p>
+                  </a:txBody>
+                  <a:tcPr marL="9525" marR="9525" marT="9525" marB="0" anchor="ctr"/>
+                </a:tc>
+                <a:tc>
+                  <a:txBody>
+                    <a:bodyPr/>
+                    <a:lstStyle/>
+                    <a:p>
+                      <a:pPr lvl="0" algn="ctr" fontAlgn="b"/>
+                      <a:r>
+                        <a:rPr lang="en-US" sz="700" b="0" i="0" u="none" strike="noStrike">
+                          <a:solidFill>
+                            <a:srgbClr val="000000"/>
+                          </a:solidFill>
+                          <a:effectLst/>
+                          <a:latin typeface="+mn-lt"/>
+                        </a:rPr>
+                        <a:t>71%</a:t>
+                      </a:r>
+                    </a:p>
+                  </a:txBody>
+                  <a:tcPr marL="9525" marR="9525" marT="9525" marB="0" anchor="ctr"/>
+                </a:tc>
+                <a:extLst>
+                  <a:ext uri="{0D108BD9-81ED-4DB2-BD59-A6C34878D82A}">
+                    <a16:rowId xmlns:a16="http://schemas.microsoft.com/office/drawing/2014/main" val="3534001861"/>
+                  </a:ext>
+                </a:extLst>
+              </a:tr>
+              <a:tr h="124741">
+                <a:tc>
+                  <a:txBody>
+                    <a:bodyPr/>
+                    <a:lstStyle/>
+                    <a:p>
+                      <a:pPr lvl="0" algn="ctr" fontAlgn="b"/>
+                      <a:r>
+                        <a:rPr lang="en-US" sz="700" b="0" i="0" u="none" strike="noStrike">
+                          <a:solidFill>
+                            <a:srgbClr val="000000"/>
+                          </a:solidFill>
+                          <a:effectLst/>
+                          <a:latin typeface="+mn-lt"/>
+                        </a:rPr>
+                        <a:t>98077</a:t>
+                      </a:r>
+                    </a:p>
+                  </a:txBody>
+                  <a:tcPr marL="9525" marR="9525" marT="9525" marB="0" anchor="ctr"/>
+                </a:tc>
+                <a:tc>
+                  <a:txBody>
+                    <a:bodyPr/>
+                    <a:lstStyle/>
+                    <a:p>
+                      <a:pPr lvl="0" algn="ctr" fontAlgn="b"/>
+                      <a:r>
+                        <a:rPr lang="en-US" sz="700" b="0" i="0" u="none" strike="noStrike">
+                          <a:solidFill>
+                            <a:srgbClr val="000000"/>
+                          </a:solidFill>
+                          <a:effectLst/>
+                          <a:latin typeface="+mn-lt"/>
+                        </a:rPr>
+                        <a:t>70%</a:t>
+                      </a:r>
+                    </a:p>
+                  </a:txBody>
+                  <a:tcPr marL="9525" marR="9525" marT="9525" marB="0" anchor="ctr"/>
+                </a:tc>
+                <a:extLst>
+                  <a:ext uri="{0D108BD9-81ED-4DB2-BD59-A6C34878D82A}">
+                    <a16:rowId xmlns:a16="http://schemas.microsoft.com/office/drawing/2014/main" val="373398550"/>
+                  </a:ext>
+                </a:extLst>
+              </a:tr>
+              <a:tr h="124741">
+                <a:tc>
+                  <a:txBody>
+                    <a:bodyPr/>
+                    <a:lstStyle/>
+                    <a:p>
+                      <a:pPr lvl="0" algn="ctr" fontAlgn="b"/>
+                      <a:r>
+                        <a:rPr lang="en-US" sz="700" b="0" i="0" u="none" strike="noStrike">
+                          <a:solidFill>
+                            <a:srgbClr val="000000"/>
+                          </a:solidFill>
+                          <a:effectLst/>
+                          <a:latin typeface="+mn-lt"/>
+                        </a:rPr>
+                        <a:t>98029</a:t>
+                      </a:r>
+                    </a:p>
+                  </a:txBody>
+                  <a:tcPr marL="9525" marR="9525" marT="9525" marB="0" anchor="ctr"/>
+                </a:tc>
+                <a:tc>
+                  <a:txBody>
+                    <a:bodyPr/>
+                    <a:lstStyle/>
+                    <a:p>
+                      <a:pPr lvl="0" algn="ctr" fontAlgn="b"/>
+                      <a:r>
+                        <a:rPr lang="en-US" sz="700" b="0" i="0" u="none" strike="noStrike">
+                          <a:solidFill>
+                            <a:srgbClr val="000000"/>
+                          </a:solidFill>
+                          <a:effectLst/>
+                          <a:latin typeface="+mn-lt"/>
+                        </a:rPr>
+                        <a:t>69%</a:t>
+                      </a:r>
+                    </a:p>
+                  </a:txBody>
+                  <a:tcPr marL="9525" marR="9525" marT="9525" marB="0" anchor="ctr"/>
+                </a:tc>
+                <a:extLst>
+                  <a:ext uri="{0D108BD9-81ED-4DB2-BD59-A6C34878D82A}">
+                    <a16:rowId xmlns:a16="http://schemas.microsoft.com/office/drawing/2014/main" val="108254496"/>
+                  </a:ext>
+                </a:extLst>
+              </a:tr>
+              <a:tr h="124741">
+                <a:tc>
+                  <a:txBody>
+                    <a:bodyPr/>
+                    <a:lstStyle/>
+                    <a:p>
+                      <a:pPr lvl="0" algn="ctr" fontAlgn="b"/>
+                      <a:r>
+                        <a:rPr lang="en-US" sz="700" b="0" i="0" u="none" strike="noStrike">
+                          <a:solidFill>
+                            <a:srgbClr val="000000"/>
+                          </a:solidFill>
+                          <a:effectLst/>
+                          <a:latin typeface="+mn-lt"/>
+                        </a:rPr>
+                        <a:t>98027</a:t>
+                      </a:r>
+                    </a:p>
+                  </a:txBody>
+                  <a:tcPr marL="9525" marR="9525" marT="9525" marB="0" anchor="ctr"/>
+                </a:tc>
+                <a:tc>
+                  <a:txBody>
+                    <a:bodyPr/>
+                    <a:lstStyle/>
+                    <a:p>
+                      <a:pPr lvl="0" algn="ctr" fontAlgn="b"/>
+                      <a:r>
+                        <a:rPr lang="en-US" sz="700" b="0" i="0" u="none" strike="noStrike" dirty="0">
+                          <a:solidFill>
+                            <a:srgbClr val="000000"/>
+                          </a:solidFill>
+                          <a:effectLst/>
+                          <a:latin typeface="+mn-lt"/>
+                        </a:rPr>
+                        <a:t>69%</a:t>
+                      </a:r>
+                    </a:p>
+                  </a:txBody>
+                  <a:tcPr marL="9525" marR="9525" marT="9525" marB="0" anchor="ctr"/>
+                </a:tc>
+                <a:extLst>
+                  <a:ext uri="{0D108BD9-81ED-4DB2-BD59-A6C34878D82A}">
+                    <a16:rowId xmlns:a16="http://schemas.microsoft.com/office/drawing/2014/main" val="2326465130"/>
+                  </a:ext>
+                </a:extLst>
+              </a:tr>
+            </a:tbl>
+          </a:graphicData>
+        </a:graphic>
+      </p:graphicFrame>
+      <p:graphicFrame>
+        <p:nvGraphicFramePr>
+          <p:cNvPr id="12" name="Table 7">
+            <a:extLst>
+              <a:ext uri="{FF2B5EF4-FFF2-40B4-BE49-F238E27FC236}">
+                <a16:creationId xmlns:a16="http://schemas.microsoft.com/office/drawing/2014/main" id="{9E032791-8EB5-D846-900F-6375BF46F76E}"/>
+              </a:ext>
+            </a:extLst>
+          </p:cNvPr>
+          <p:cNvGraphicFramePr>
+            <a:graphicFrameLocks noGrp="1"/>
+          </p:cNvGraphicFramePr>
+          <p:nvPr>
+            <p:extLst>
+              <p:ext uri="{D42A27DB-BD31-4B8C-83A1-F6EECF244321}">
+                <p14:modId xmlns:p14="http://schemas.microsoft.com/office/powerpoint/2010/main" val="3058456166"/>
+              </p:ext>
+            </p:extLst>
+          </p:nvPr>
+        </p:nvGraphicFramePr>
+        <p:xfrm>
+          <a:off x="5962078" y="1967222"/>
+          <a:ext cx="3756348" cy="4604520"/>
+        </p:xfrm>
+        <a:graphic>
+          <a:graphicData uri="http://schemas.openxmlformats.org/drawingml/2006/table">
+            <a:tbl>
+              <a:tblPr firstRow="1" bandRow="1">
+                <a:tableStyleId>{5C22544A-7EE6-4342-B048-85BDC9FD1C3A}</a:tableStyleId>
+              </a:tblPr>
+              <a:tblGrid>
+                <a:gridCol w="1878174">
+                  <a:extLst>
+                    <a:ext uri="{9D8B030D-6E8A-4147-A177-3AD203B41FA5}">
+                      <a16:colId xmlns:a16="http://schemas.microsoft.com/office/drawing/2014/main" val="4145685304"/>
+                    </a:ext>
+                  </a:extLst>
+                </a:gridCol>
+                <a:gridCol w="1878174">
+                  <a:extLst>
+                    <a:ext uri="{9D8B030D-6E8A-4147-A177-3AD203B41FA5}">
+                      <a16:colId xmlns:a16="http://schemas.microsoft.com/office/drawing/2014/main" val="501044954"/>
+                    </a:ext>
+                  </a:extLst>
+                </a:gridCol>
+              </a:tblGrid>
+              <a:tr h="494624">
+                <a:tc>
+                  <a:txBody>
+                    <a:bodyPr/>
+                    <a:lstStyle/>
+                    <a:p>
+                      <a:pPr algn="ctr" fontAlgn="ctr"/>
+                      <a:r>
+                        <a:rPr lang="en-US" sz="900" b="1" dirty="0">
+                          <a:effectLst/>
+                        </a:rPr>
+                        <a:t>Predictor</a:t>
+                      </a:r>
+                    </a:p>
+                  </a:txBody>
+                  <a:tcPr anchor="ctr"/>
+                </a:tc>
+                <a:tc>
+                  <a:txBody>
+                    <a:bodyPr/>
+                    <a:lstStyle/>
+                    <a:p>
+                      <a:pPr algn="ctr" fontAlgn="ctr"/>
+                      <a:r>
+                        <a:rPr lang="en-US" sz="900" b="1" dirty="0">
+                          <a:effectLst/>
+                        </a:rPr>
+                        <a:t>Change in sale price if home in chosen zip rather than 98001(%)</a:t>
+                      </a:r>
+                    </a:p>
+                  </a:txBody>
+                  <a:tcPr anchor="ctr"/>
+                </a:tc>
+                <a:extLst>
+                  <a:ext uri="{0D108BD9-81ED-4DB2-BD59-A6C34878D82A}">
+                    <a16:rowId xmlns:a16="http://schemas.microsoft.com/office/drawing/2014/main" val="1076749580"/>
+                  </a:ext>
+                </a:extLst>
+              </a:tr>
+              <a:tr h="128175">
+                <a:tc>
+                  <a:txBody>
+                    <a:bodyPr/>
+                    <a:lstStyle/>
+                    <a:p>
+                      <a:pPr algn="ctr" fontAlgn="b"/>
+                      <a:r>
+                        <a:rPr lang="en-US" sz="700" b="0" i="0" u="none" strike="noStrike" dirty="0">
+                          <a:solidFill>
+                            <a:srgbClr val="000000"/>
+                          </a:solidFill>
+                          <a:effectLst/>
+                          <a:latin typeface="+mn-lt"/>
+                        </a:rPr>
+                        <a:t>98034</a:t>
+                      </a:r>
+                    </a:p>
+                  </a:txBody>
+                  <a:tcPr marL="9525" marR="9525" marT="9525" marB="0" anchor="ctr"/>
+                </a:tc>
+                <a:tc>
+                  <a:txBody>
+                    <a:bodyPr/>
+                    <a:lstStyle/>
+                    <a:p>
+                      <a:pPr algn="ctr" fontAlgn="b"/>
+                      <a:r>
+                        <a:rPr lang="en-US" sz="700" b="0" i="0" u="none" strike="noStrike">
+                          <a:solidFill>
+                            <a:srgbClr val="000000"/>
+                          </a:solidFill>
+                          <a:effectLst/>
+                          <a:latin typeface="+mn-lt"/>
+                        </a:rPr>
+                        <a:t>68%</a:t>
+                      </a:r>
+                    </a:p>
+                  </a:txBody>
+                  <a:tcPr marL="9525" marR="9525" marT="9525" marB="0" anchor="ctr"/>
+                </a:tc>
+                <a:extLst>
+                  <a:ext uri="{0D108BD9-81ED-4DB2-BD59-A6C34878D82A}">
+                    <a16:rowId xmlns:a16="http://schemas.microsoft.com/office/drawing/2014/main" val="1006375750"/>
+                  </a:ext>
+                </a:extLst>
+              </a:tr>
+              <a:tr h="128175">
+                <a:tc>
+                  <a:txBody>
+                    <a:bodyPr/>
+                    <a:lstStyle/>
+                    <a:p>
+                      <a:pPr algn="ctr" fontAlgn="b"/>
+                      <a:r>
+                        <a:rPr lang="en-US" sz="700" b="0" i="0" u="none" strike="noStrike" dirty="0">
+                          <a:solidFill>
+                            <a:srgbClr val="000000"/>
+                          </a:solidFill>
+                          <a:effectLst/>
+                          <a:latin typeface="+mn-lt"/>
+                        </a:rPr>
+                        <a:t>98072</a:t>
+                      </a:r>
+                    </a:p>
+                  </a:txBody>
+                  <a:tcPr marL="9525" marR="9525" marT="9525" marB="0" anchor="ctr"/>
+                </a:tc>
+                <a:tc>
+                  <a:txBody>
+                    <a:bodyPr/>
+                    <a:lstStyle/>
+                    <a:p>
+                      <a:pPr algn="ctr" fontAlgn="b"/>
+                      <a:r>
+                        <a:rPr lang="en-US" sz="700" b="0" i="0" u="none" strike="noStrike">
+                          <a:solidFill>
+                            <a:srgbClr val="000000"/>
+                          </a:solidFill>
+                          <a:effectLst/>
+                          <a:latin typeface="+mn-lt"/>
+                        </a:rPr>
+                        <a:t>68%</a:t>
+                      </a:r>
+                    </a:p>
+                  </a:txBody>
+                  <a:tcPr marL="9525" marR="9525" marT="9525" marB="0" anchor="ctr"/>
+                </a:tc>
+                <a:extLst>
+                  <a:ext uri="{0D108BD9-81ED-4DB2-BD59-A6C34878D82A}">
+                    <a16:rowId xmlns:a16="http://schemas.microsoft.com/office/drawing/2014/main" val="1405305497"/>
+                  </a:ext>
+                </a:extLst>
+              </a:tr>
+              <a:tr h="128175">
+                <a:tc>
+                  <a:txBody>
+                    <a:bodyPr/>
+                    <a:lstStyle/>
+                    <a:p>
+                      <a:pPr algn="ctr" fontAlgn="b"/>
+                      <a:r>
+                        <a:rPr lang="en-US" sz="700" b="0" i="0" u="none" strike="noStrike" dirty="0">
+                          <a:solidFill>
+                            <a:srgbClr val="000000"/>
+                          </a:solidFill>
+                          <a:effectLst/>
+                          <a:latin typeface="+mn-lt"/>
+                        </a:rPr>
+                        <a:t>98126</a:t>
+                      </a:r>
+                    </a:p>
+                  </a:txBody>
+                  <a:tcPr marL="9525" marR="9525" marT="9525" marB="0" anchor="ctr"/>
+                </a:tc>
+                <a:tc>
+                  <a:txBody>
+                    <a:bodyPr/>
+                    <a:lstStyle/>
+                    <a:p>
+                      <a:pPr algn="ctr" fontAlgn="b"/>
+                      <a:r>
+                        <a:rPr lang="en-US" sz="700" b="0" i="0" u="none" strike="noStrike" dirty="0">
+                          <a:solidFill>
+                            <a:srgbClr val="000000"/>
+                          </a:solidFill>
+                          <a:effectLst/>
+                          <a:latin typeface="+mn-lt"/>
+                        </a:rPr>
+                        <a:t>64%</a:t>
+                      </a:r>
+                    </a:p>
+                  </a:txBody>
+                  <a:tcPr marL="9525" marR="9525" marT="9525" marB="0" anchor="ctr"/>
+                </a:tc>
+                <a:extLst>
+                  <a:ext uri="{0D108BD9-81ED-4DB2-BD59-A6C34878D82A}">
+                    <a16:rowId xmlns:a16="http://schemas.microsoft.com/office/drawing/2014/main" val="3055773279"/>
+                  </a:ext>
+                </a:extLst>
+              </a:tr>
+              <a:tr h="128175">
+                <a:tc>
+                  <a:txBody>
+                    <a:bodyPr/>
+                    <a:lstStyle/>
+                    <a:p>
+                      <a:pPr algn="ctr" fontAlgn="b"/>
+                      <a:r>
+                        <a:rPr lang="en-US" sz="700" b="0" i="0" u="none" strike="noStrike">
+                          <a:solidFill>
+                            <a:srgbClr val="000000"/>
+                          </a:solidFill>
+                          <a:effectLst/>
+                          <a:latin typeface="+mn-lt"/>
+                        </a:rPr>
+                        <a:t>98065</a:t>
+                      </a:r>
+                    </a:p>
+                  </a:txBody>
+                  <a:tcPr marL="9525" marR="9525" marT="9525" marB="0" anchor="ctr"/>
+                </a:tc>
+                <a:tc>
+                  <a:txBody>
+                    <a:bodyPr/>
+                    <a:lstStyle/>
+                    <a:p>
+                      <a:pPr algn="ctr" fontAlgn="b"/>
+                      <a:r>
+                        <a:rPr lang="en-US" sz="700" b="0" i="0" u="none" strike="noStrike">
+                          <a:solidFill>
+                            <a:srgbClr val="000000"/>
+                          </a:solidFill>
+                          <a:effectLst/>
+                          <a:latin typeface="+mn-lt"/>
+                        </a:rPr>
+                        <a:t>61%</a:t>
+                      </a:r>
+                    </a:p>
+                  </a:txBody>
+                  <a:tcPr marL="9525" marR="9525" marT="9525" marB="0" anchor="ctr"/>
+                </a:tc>
+                <a:extLst>
+                  <a:ext uri="{0D108BD9-81ED-4DB2-BD59-A6C34878D82A}">
+                    <a16:rowId xmlns:a16="http://schemas.microsoft.com/office/drawing/2014/main" val="2445616717"/>
+                  </a:ext>
+                </a:extLst>
+              </a:tr>
+              <a:tr h="128175">
+                <a:tc>
+                  <a:txBody>
+                    <a:bodyPr/>
+                    <a:lstStyle/>
+                    <a:p>
+                      <a:pPr algn="ctr" fontAlgn="b"/>
+                      <a:r>
+                        <a:rPr lang="en-US" sz="700" b="0" i="0" u="none" strike="noStrike">
+                          <a:solidFill>
+                            <a:srgbClr val="000000"/>
+                          </a:solidFill>
+                          <a:effectLst/>
+                          <a:latin typeface="+mn-lt"/>
+                        </a:rPr>
+                        <a:t>98011</a:t>
+                      </a:r>
+                    </a:p>
+                  </a:txBody>
+                  <a:tcPr marL="9525" marR="9525" marT="9525" marB="0" anchor="ctr"/>
+                </a:tc>
+                <a:tc>
+                  <a:txBody>
+                    <a:bodyPr/>
+                    <a:lstStyle/>
+                    <a:p>
+                      <a:pPr algn="ctr" fontAlgn="b"/>
+                      <a:r>
+                        <a:rPr lang="en-US" sz="700" b="0" i="0" u="none" strike="noStrike">
+                          <a:solidFill>
+                            <a:srgbClr val="000000"/>
+                          </a:solidFill>
+                          <a:effectLst/>
+                          <a:latin typeface="+mn-lt"/>
+                        </a:rPr>
+                        <a:t>56%</a:t>
+                      </a:r>
+                    </a:p>
+                  </a:txBody>
+                  <a:tcPr marL="9525" marR="9525" marT="9525" marB="0" anchor="ctr"/>
+                </a:tc>
+                <a:extLst>
+                  <a:ext uri="{0D108BD9-81ED-4DB2-BD59-A6C34878D82A}">
+                    <a16:rowId xmlns:a16="http://schemas.microsoft.com/office/drawing/2014/main" val="842400331"/>
+                  </a:ext>
+                </a:extLst>
+              </a:tr>
+              <a:tr h="128175">
+                <a:tc>
+                  <a:txBody>
+                    <a:bodyPr/>
+                    <a:lstStyle/>
+                    <a:p>
+                      <a:pPr algn="ctr" fontAlgn="b"/>
+                      <a:r>
+                        <a:rPr lang="en-US" sz="700" b="0" i="0" u="none" strike="noStrike" dirty="0">
+                          <a:solidFill>
+                            <a:srgbClr val="000000"/>
+                          </a:solidFill>
+                          <a:effectLst/>
+                          <a:latin typeface="+mn-lt"/>
+                        </a:rPr>
+                        <a:t>98118</a:t>
+                      </a:r>
+                    </a:p>
+                  </a:txBody>
+                  <a:tcPr marL="9525" marR="9525" marT="9525" marB="0" anchor="ctr"/>
+                </a:tc>
+                <a:tc>
+                  <a:txBody>
+                    <a:bodyPr/>
+                    <a:lstStyle/>
+                    <a:p>
+                      <a:pPr algn="ctr" fontAlgn="b"/>
+                      <a:r>
+                        <a:rPr lang="en-US" sz="700" b="0" i="0" u="none" strike="noStrike">
+                          <a:solidFill>
+                            <a:srgbClr val="000000"/>
+                          </a:solidFill>
+                          <a:effectLst/>
+                          <a:latin typeface="+mn-lt"/>
+                        </a:rPr>
+                        <a:t>54%</a:t>
+                      </a:r>
+                    </a:p>
+                  </a:txBody>
+                  <a:tcPr marL="9525" marR="9525" marT="9525" marB="0" anchor="ctr"/>
+                </a:tc>
+                <a:extLst>
+                  <a:ext uri="{0D108BD9-81ED-4DB2-BD59-A6C34878D82A}">
+                    <a16:rowId xmlns:a16="http://schemas.microsoft.com/office/drawing/2014/main" val="798900831"/>
+                  </a:ext>
+                </a:extLst>
+              </a:tr>
+              <a:tr h="128175">
+                <a:tc>
+                  <a:txBody>
+                    <a:bodyPr/>
+                    <a:lstStyle/>
+                    <a:p>
+                      <a:pPr algn="ctr" fontAlgn="b"/>
+                      <a:r>
+                        <a:rPr lang="en-US" sz="700" b="0" i="0" u="none" strike="noStrike">
+                          <a:solidFill>
+                            <a:srgbClr val="000000"/>
+                          </a:solidFill>
+                          <a:effectLst/>
+                          <a:latin typeface="+mn-lt"/>
+                        </a:rPr>
+                        <a:t>98155</a:t>
+                      </a:r>
+                    </a:p>
+                  </a:txBody>
+                  <a:tcPr marL="9525" marR="9525" marT="9525" marB="0" anchor="ctr"/>
+                </a:tc>
+                <a:tc>
+                  <a:txBody>
+                    <a:bodyPr/>
+                    <a:lstStyle/>
+                    <a:p>
+                      <a:pPr algn="ctr" fontAlgn="b"/>
+                      <a:r>
+                        <a:rPr lang="en-US" sz="700" b="0" i="0" u="none" strike="noStrike">
+                          <a:solidFill>
+                            <a:srgbClr val="000000"/>
+                          </a:solidFill>
+                          <a:effectLst/>
+                          <a:latin typeface="+mn-lt"/>
+                        </a:rPr>
+                        <a:t>53%</a:t>
+                      </a:r>
+                    </a:p>
+                  </a:txBody>
+                  <a:tcPr marL="9525" marR="9525" marT="9525" marB="0" anchor="ctr"/>
+                </a:tc>
+                <a:extLst>
+                  <a:ext uri="{0D108BD9-81ED-4DB2-BD59-A6C34878D82A}">
+                    <a16:rowId xmlns:a16="http://schemas.microsoft.com/office/drawing/2014/main" val="2489545174"/>
+                  </a:ext>
+                </a:extLst>
+              </a:tr>
+              <a:tr h="128175">
+                <a:tc>
+                  <a:txBody>
+                    <a:bodyPr/>
+                    <a:lstStyle/>
+                    <a:p>
+                      <a:pPr algn="ctr" fontAlgn="b"/>
+                      <a:r>
+                        <a:rPr lang="en-US" sz="700" b="0" i="0" u="none" strike="noStrike">
+                          <a:solidFill>
+                            <a:srgbClr val="000000"/>
+                          </a:solidFill>
+                          <a:effectLst/>
+                          <a:latin typeface="+mn-lt"/>
+                        </a:rPr>
+                        <a:t>98028</a:t>
+                      </a:r>
+                    </a:p>
+                  </a:txBody>
+                  <a:tcPr marL="9525" marR="9525" marT="9525" marB="0" anchor="ctr"/>
+                </a:tc>
+                <a:tc>
+                  <a:txBody>
+                    <a:bodyPr/>
+                    <a:lstStyle/>
+                    <a:p>
+                      <a:pPr algn="ctr" fontAlgn="b"/>
+                      <a:r>
+                        <a:rPr lang="en-US" sz="700" b="0" i="0" u="none" strike="noStrike">
+                          <a:solidFill>
+                            <a:srgbClr val="000000"/>
+                          </a:solidFill>
+                          <a:effectLst/>
+                          <a:latin typeface="+mn-lt"/>
+                        </a:rPr>
+                        <a:t>52%</a:t>
+                      </a:r>
+                    </a:p>
+                  </a:txBody>
+                  <a:tcPr marL="9525" marR="9525" marT="9525" marB="0" anchor="ctr"/>
+                </a:tc>
+                <a:extLst>
+                  <a:ext uri="{0D108BD9-81ED-4DB2-BD59-A6C34878D82A}">
+                    <a16:rowId xmlns:a16="http://schemas.microsoft.com/office/drawing/2014/main" val="367174985"/>
+                  </a:ext>
+                </a:extLst>
+              </a:tr>
+              <a:tr h="128175">
+                <a:tc>
+                  <a:txBody>
+                    <a:bodyPr/>
+                    <a:lstStyle/>
+                    <a:p>
+                      <a:pPr algn="ctr" fontAlgn="b"/>
+                      <a:r>
+                        <a:rPr lang="en-US" sz="700" b="0" i="0" u="none" strike="noStrike">
+                          <a:solidFill>
+                            <a:srgbClr val="000000"/>
+                          </a:solidFill>
+                          <a:effectLst/>
+                          <a:latin typeface="+mn-lt"/>
+                        </a:rPr>
+                        <a:t>98014</a:t>
+                      </a:r>
+                    </a:p>
+                  </a:txBody>
+                  <a:tcPr marL="9525" marR="9525" marT="9525" marB="0" anchor="ctr"/>
+                </a:tc>
+                <a:tc>
+                  <a:txBody>
+                    <a:bodyPr/>
+                    <a:lstStyle/>
+                    <a:p>
+                      <a:pPr algn="ctr" fontAlgn="b"/>
+                      <a:r>
+                        <a:rPr lang="en-US" sz="700" b="0" i="0" u="none" strike="noStrike">
+                          <a:solidFill>
+                            <a:srgbClr val="000000"/>
+                          </a:solidFill>
+                          <a:effectLst/>
+                          <a:latin typeface="+mn-lt"/>
+                        </a:rPr>
+                        <a:t>52%</a:t>
+                      </a:r>
+                    </a:p>
+                  </a:txBody>
+                  <a:tcPr marL="9525" marR="9525" marT="9525" marB="0" anchor="ctr"/>
+                </a:tc>
+                <a:extLst>
+                  <a:ext uri="{0D108BD9-81ED-4DB2-BD59-A6C34878D82A}">
+                    <a16:rowId xmlns:a16="http://schemas.microsoft.com/office/drawing/2014/main" val="1321309687"/>
+                  </a:ext>
+                </a:extLst>
+              </a:tr>
+              <a:tr h="128175">
+                <a:tc>
+                  <a:txBody>
+                    <a:bodyPr/>
+                    <a:lstStyle/>
+                    <a:p>
+                      <a:pPr algn="ctr" fontAlgn="b"/>
+                      <a:r>
+                        <a:rPr lang="en-US" sz="700" b="0" i="0" u="none" strike="noStrike">
+                          <a:solidFill>
+                            <a:srgbClr val="000000"/>
+                          </a:solidFill>
+                          <a:effectLst/>
+                          <a:latin typeface="+mn-lt"/>
+                        </a:rPr>
+                        <a:t>98133</a:t>
+                      </a:r>
+                    </a:p>
+                  </a:txBody>
+                  <a:tcPr marL="9525" marR="9525" marT="9525" marB="0" anchor="ctr"/>
+                </a:tc>
+                <a:tc>
+                  <a:txBody>
+                    <a:bodyPr/>
+                    <a:lstStyle/>
+                    <a:p>
+                      <a:pPr algn="ctr" fontAlgn="b"/>
+                      <a:r>
+                        <a:rPr lang="en-US" sz="700" b="0" i="0" u="none" strike="noStrike">
+                          <a:solidFill>
+                            <a:srgbClr val="000000"/>
+                          </a:solidFill>
+                          <a:effectLst/>
+                          <a:latin typeface="+mn-lt"/>
+                        </a:rPr>
+                        <a:t>50%</a:t>
+                      </a:r>
+                    </a:p>
+                  </a:txBody>
+                  <a:tcPr marL="9525" marR="9525" marT="9525" marB="0" anchor="ctr"/>
+                </a:tc>
+                <a:extLst>
+                  <a:ext uri="{0D108BD9-81ED-4DB2-BD59-A6C34878D82A}">
+                    <a16:rowId xmlns:a16="http://schemas.microsoft.com/office/drawing/2014/main" val="980395020"/>
+                  </a:ext>
+                </a:extLst>
+              </a:tr>
+              <a:tr h="128175">
+                <a:tc>
+                  <a:txBody>
+                    <a:bodyPr/>
+                    <a:lstStyle/>
+                    <a:p>
+                      <a:pPr algn="ctr" fontAlgn="b"/>
+                      <a:r>
+                        <a:rPr lang="en-US" sz="700" b="0" i="0" u="none" strike="noStrike" dirty="0">
+                          <a:solidFill>
+                            <a:srgbClr val="000000"/>
+                          </a:solidFill>
+                          <a:effectLst/>
+                          <a:latin typeface="+mn-lt"/>
+                        </a:rPr>
+                        <a:t>98166</a:t>
+                      </a:r>
+                    </a:p>
+                  </a:txBody>
+                  <a:tcPr marL="9525" marR="9525" marT="9525" marB="0" anchor="ctr"/>
+                </a:tc>
+                <a:tc>
+                  <a:txBody>
+                    <a:bodyPr/>
+                    <a:lstStyle/>
+                    <a:p>
+                      <a:pPr algn="ctr" fontAlgn="b"/>
+                      <a:r>
+                        <a:rPr lang="en-US" sz="700" b="0" i="0" u="none" strike="noStrike">
+                          <a:solidFill>
+                            <a:srgbClr val="000000"/>
+                          </a:solidFill>
+                          <a:effectLst/>
+                          <a:latin typeface="+mn-lt"/>
+                        </a:rPr>
+                        <a:t>48%</a:t>
+                      </a:r>
+                    </a:p>
+                  </a:txBody>
+                  <a:tcPr marL="9525" marR="9525" marT="9525" marB="0" anchor="ctr"/>
+                </a:tc>
+                <a:extLst>
+                  <a:ext uri="{0D108BD9-81ED-4DB2-BD59-A6C34878D82A}">
+                    <a16:rowId xmlns:a16="http://schemas.microsoft.com/office/drawing/2014/main" val="838895008"/>
+                  </a:ext>
+                </a:extLst>
+              </a:tr>
+              <a:tr h="128175">
+                <a:tc>
+                  <a:txBody>
+                    <a:bodyPr/>
+                    <a:lstStyle/>
+                    <a:p>
+                      <a:pPr algn="ctr" fontAlgn="b"/>
+                      <a:r>
+                        <a:rPr lang="en-US" sz="700" b="0" i="0" u="none" strike="noStrike">
+                          <a:solidFill>
+                            <a:srgbClr val="000000"/>
+                          </a:solidFill>
+                          <a:effectLst/>
+                          <a:latin typeface="+mn-lt"/>
+                        </a:rPr>
+                        <a:t>98059</a:t>
+                      </a:r>
+                    </a:p>
+                  </a:txBody>
+                  <a:tcPr marL="9525" marR="9525" marT="9525" marB="0" anchor="ctr"/>
+                </a:tc>
+                <a:tc>
+                  <a:txBody>
+                    <a:bodyPr/>
+                    <a:lstStyle/>
+                    <a:p>
+                      <a:pPr algn="ctr" fontAlgn="b"/>
+                      <a:r>
+                        <a:rPr lang="en-US" sz="700" b="0" i="0" u="none" strike="noStrike" dirty="0">
+                          <a:solidFill>
+                            <a:srgbClr val="000000"/>
+                          </a:solidFill>
+                          <a:effectLst/>
+                          <a:latin typeface="+mn-lt"/>
+                        </a:rPr>
+                        <a:t>45%</a:t>
+                      </a:r>
+                    </a:p>
+                  </a:txBody>
+                  <a:tcPr marL="9525" marR="9525" marT="9525" marB="0" anchor="ctr"/>
+                </a:tc>
+                <a:extLst>
+                  <a:ext uri="{0D108BD9-81ED-4DB2-BD59-A6C34878D82A}">
+                    <a16:rowId xmlns:a16="http://schemas.microsoft.com/office/drawing/2014/main" val="3223977279"/>
+                  </a:ext>
+                </a:extLst>
+              </a:tr>
+              <a:tr h="128175">
+                <a:tc>
+                  <a:txBody>
+                    <a:bodyPr/>
+                    <a:lstStyle/>
+                    <a:p>
+                      <a:pPr algn="ctr" fontAlgn="b"/>
+                      <a:r>
+                        <a:rPr lang="en-US" sz="700" b="0" i="0" u="none" strike="noStrike">
+                          <a:solidFill>
+                            <a:srgbClr val="000000"/>
+                          </a:solidFill>
+                          <a:effectLst/>
+                          <a:latin typeface="+mn-lt"/>
+                        </a:rPr>
+                        <a:t>98019</a:t>
+                      </a:r>
+                    </a:p>
+                  </a:txBody>
+                  <a:tcPr marL="9525" marR="9525" marT="9525" marB="0" anchor="ctr"/>
+                </a:tc>
+                <a:tc>
+                  <a:txBody>
+                    <a:bodyPr/>
+                    <a:lstStyle/>
+                    <a:p>
+                      <a:pPr algn="ctr" fontAlgn="b"/>
+                      <a:r>
+                        <a:rPr lang="en-US" sz="700" b="0" i="0" u="none" strike="noStrike">
+                          <a:solidFill>
+                            <a:srgbClr val="000000"/>
+                          </a:solidFill>
+                          <a:effectLst/>
+                          <a:latin typeface="+mn-lt"/>
+                        </a:rPr>
+                        <a:t>44%</a:t>
+                      </a:r>
+                    </a:p>
+                  </a:txBody>
+                  <a:tcPr marL="9525" marR="9525" marT="9525" marB="0" anchor="ctr"/>
+                </a:tc>
+                <a:extLst>
+                  <a:ext uri="{0D108BD9-81ED-4DB2-BD59-A6C34878D82A}">
+                    <a16:rowId xmlns:a16="http://schemas.microsoft.com/office/drawing/2014/main" val="2734180865"/>
+                  </a:ext>
+                </a:extLst>
+              </a:tr>
+              <a:tr h="128175">
+                <a:tc>
+                  <a:txBody>
+                    <a:bodyPr/>
+                    <a:lstStyle/>
+                    <a:p>
+                      <a:pPr algn="ctr" fontAlgn="b"/>
+                      <a:r>
+                        <a:rPr lang="en-US" sz="700" b="0" i="0" u="none" strike="noStrike">
+                          <a:solidFill>
+                            <a:srgbClr val="000000"/>
+                          </a:solidFill>
+                          <a:effectLst/>
+                          <a:latin typeface="+mn-lt"/>
+                        </a:rPr>
+                        <a:t>98045</a:t>
+                      </a:r>
+                    </a:p>
+                  </a:txBody>
+                  <a:tcPr marL="9525" marR="9525" marT="9525" marB="0" anchor="ctr"/>
+                </a:tc>
+                <a:tc>
+                  <a:txBody>
+                    <a:bodyPr/>
+                    <a:lstStyle/>
+                    <a:p>
+                      <a:pPr algn="ctr" fontAlgn="b"/>
+                      <a:r>
+                        <a:rPr lang="en-US" sz="700" b="0" i="0" u="none" strike="noStrike">
+                          <a:solidFill>
+                            <a:srgbClr val="000000"/>
+                          </a:solidFill>
+                          <a:effectLst/>
+                          <a:latin typeface="+mn-lt"/>
+                        </a:rPr>
+                        <a:t>43%</a:t>
+                      </a:r>
+                    </a:p>
+                  </a:txBody>
+                  <a:tcPr marL="9525" marR="9525" marT="9525" marB="0" anchor="ctr"/>
+                </a:tc>
+                <a:extLst>
+                  <a:ext uri="{0D108BD9-81ED-4DB2-BD59-A6C34878D82A}">
+                    <a16:rowId xmlns:a16="http://schemas.microsoft.com/office/drawing/2014/main" val="2067113447"/>
+                  </a:ext>
+                </a:extLst>
+              </a:tr>
+              <a:tr h="128175">
+                <a:tc>
+                  <a:txBody>
+                    <a:bodyPr/>
+                    <a:lstStyle/>
+                    <a:p>
+                      <a:pPr algn="ctr" fontAlgn="b"/>
+                      <a:r>
+                        <a:rPr lang="en-US" sz="700" b="0" i="0" u="none" strike="noStrike">
+                          <a:solidFill>
+                            <a:srgbClr val="000000"/>
+                          </a:solidFill>
+                          <a:effectLst/>
+                          <a:latin typeface="+mn-lt"/>
+                        </a:rPr>
+                        <a:t>98056</a:t>
+                      </a:r>
+                    </a:p>
+                  </a:txBody>
+                  <a:tcPr marL="9525" marR="9525" marT="9525" marB="0" anchor="ctr"/>
+                </a:tc>
+                <a:tc>
+                  <a:txBody>
+                    <a:bodyPr/>
+                    <a:lstStyle/>
+                    <a:p>
+                      <a:pPr algn="ctr" fontAlgn="b"/>
+                      <a:r>
+                        <a:rPr lang="en-US" sz="700" b="0" i="0" u="none" strike="noStrike">
+                          <a:solidFill>
+                            <a:srgbClr val="000000"/>
+                          </a:solidFill>
+                          <a:effectLst/>
+                          <a:latin typeface="+mn-lt"/>
+                        </a:rPr>
+                        <a:t>42%</a:t>
+                      </a:r>
+                    </a:p>
+                  </a:txBody>
+                  <a:tcPr marL="9525" marR="9525" marT="9525" marB="0" anchor="ctr"/>
+                </a:tc>
+                <a:extLst>
+                  <a:ext uri="{0D108BD9-81ED-4DB2-BD59-A6C34878D82A}">
+                    <a16:rowId xmlns:a16="http://schemas.microsoft.com/office/drawing/2014/main" val="3653343155"/>
+                  </a:ext>
+                </a:extLst>
+              </a:tr>
+              <a:tr h="128175">
+                <a:tc>
+                  <a:txBody>
+                    <a:bodyPr/>
+                    <a:lstStyle/>
+                    <a:p>
+                      <a:pPr algn="ctr" fontAlgn="b"/>
+                      <a:r>
+                        <a:rPr lang="en-US" sz="700" b="0" i="0" u="none" strike="noStrike">
+                          <a:solidFill>
+                            <a:srgbClr val="000000"/>
+                          </a:solidFill>
+                          <a:effectLst/>
+                          <a:latin typeface="+mn-lt"/>
+                        </a:rPr>
+                        <a:t>98010</a:t>
+                      </a:r>
+                    </a:p>
+                  </a:txBody>
+                  <a:tcPr marL="9525" marR="9525" marT="9525" marB="0" anchor="ctr"/>
+                </a:tc>
+                <a:tc>
+                  <a:txBody>
+                    <a:bodyPr/>
+                    <a:lstStyle/>
+                    <a:p>
+                      <a:pPr algn="ctr" fontAlgn="b"/>
+                      <a:r>
+                        <a:rPr lang="en-US" sz="700" b="0" i="0" u="none" strike="noStrike">
+                          <a:solidFill>
+                            <a:srgbClr val="000000"/>
+                          </a:solidFill>
+                          <a:effectLst/>
+                          <a:latin typeface="+mn-lt"/>
+                        </a:rPr>
+                        <a:t>40%</a:t>
+                      </a:r>
+                    </a:p>
+                  </a:txBody>
+                  <a:tcPr marL="9525" marR="9525" marT="9525" marB="0" anchor="ctr"/>
+                </a:tc>
+                <a:extLst>
+                  <a:ext uri="{0D108BD9-81ED-4DB2-BD59-A6C34878D82A}">
+                    <a16:rowId xmlns:a16="http://schemas.microsoft.com/office/drawing/2014/main" val="2997693093"/>
+                  </a:ext>
+                </a:extLst>
+              </a:tr>
+              <a:tr h="128175">
+                <a:tc>
+                  <a:txBody>
+                    <a:bodyPr/>
+                    <a:lstStyle/>
+                    <a:p>
+                      <a:pPr algn="ctr" fontAlgn="b"/>
+                      <a:r>
+                        <a:rPr lang="en-US" sz="700" b="0" i="0" u="none" strike="noStrike">
+                          <a:solidFill>
+                            <a:srgbClr val="000000"/>
+                          </a:solidFill>
+                          <a:effectLst/>
+                          <a:latin typeface="+mn-lt"/>
+                        </a:rPr>
+                        <a:t>98108</a:t>
+                      </a:r>
+                    </a:p>
+                  </a:txBody>
+                  <a:tcPr marL="9525" marR="9525" marT="9525" marB="0" anchor="ctr"/>
+                </a:tc>
+                <a:tc>
+                  <a:txBody>
+                    <a:bodyPr/>
+                    <a:lstStyle/>
+                    <a:p>
+                      <a:pPr algn="ctr" fontAlgn="b"/>
+                      <a:r>
+                        <a:rPr lang="en-US" sz="700" b="0" i="0" u="none" strike="noStrike">
+                          <a:solidFill>
+                            <a:srgbClr val="000000"/>
+                          </a:solidFill>
+                          <a:effectLst/>
+                          <a:latin typeface="+mn-lt"/>
+                        </a:rPr>
+                        <a:t>35%</a:t>
+                      </a:r>
+                    </a:p>
+                  </a:txBody>
+                  <a:tcPr marL="9525" marR="9525" marT="9525" marB="0" anchor="ctr"/>
+                </a:tc>
+                <a:extLst>
+                  <a:ext uri="{0D108BD9-81ED-4DB2-BD59-A6C34878D82A}">
+                    <a16:rowId xmlns:a16="http://schemas.microsoft.com/office/drawing/2014/main" val="4157588188"/>
+                  </a:ext>
+                </a:extLst>
+              </a:tr>
+              <a:tr h="128175">
+                <a:tc>
+                  <a:txBody>
+                    <a:bodyPr/>
+                    <a:lstStyle/>
+                    <a:p>
+                      <a:pPr algn="ctr" fontAlgn="b"/>
+                      <a:r>
+                        <a:rPr lang="en-US" sz="700" b="0" i="0" u="none" strike="noStrike" dirty="0">
+                          <a:solidFill>
+                            <a:srgbClr val="000000"/>
+                          </a:solidFill>
+                          <a:effectLst/>
+                          <a:latin typeface="+mn-lt"/>
+                        </a:rPr>
+                        <a:t>98146</a:t>
+                      </a:r>
+                    </a:p>
+                  </a:txBody>
+                  <a:tcPr marL="9525" marR="9525" marT="9525" marB="0" anchor="ctr"/>
+                </a:tc>
+                <a:tc>
+                  <a:txBody>
+                    <a:bodyPr/>
+                    <a:lstStyle/>
+                    <a:p>
+                      <a:pPr algn="ctr" fontAlgn="b"/>
+                      <a:r>
+                        <a:rPr lang="en-US" sz="700" b="0" i="0" u="none" strike="noStrike">
+                          <a:solidFill>
+                            <a:srgbClr val="000000"/>
+                          </a:solidFill>
+                          <a:effectLst/>
+                          <a:latin typeface="+mn-lt"/>
+                        </a:rPr>
+                        <a:t>34%</a:t>
+                      </a:r>
+                    </a:p>
+                  </a:txBody>
+                  <a:tcPr marL="9525" marR="9525" marT="9525" marB="0" anchor="ctr"/>
+                </a:tc>
+                <a:extLst>
+                  <a:ext uri="{0D108BD9-81ED-4DB2-BD59-A6C34878D82A}">
+                    <a16:rowId xmlns:a16="http://schemas.microsoft.com/office/drawing/2014/main" val="3120609275"/>
+                  </a:ext>
+                </a:extLst>
+              </a:tr>
+              <a:tr h="128175">
+                <a:tc>
+                  <a:txBody>
+                    <a:bodyPr/>
+                    <a:lstStyle/>
+                    <a:p>
+                      <a:pPr algn="ctr" fontAlgn="b"/>
+                      <a:r>
+                        <a:rPr lang="en-US" sz="700" b="0" i="0" u="none" strike="noStrike">
+                          <a:solidFill>
+                            <a:srgbClr val="000000"/>
+                          </a:solidFill>
+                          <a:effectLst/>
+                          <a:latin typeface="+mn-lt"/>
+                        </a:rPr>
+                        <a:t>98106</a:t>
+                      </a:r>
+                    </a:p>
+                  </a:txBody>
+                  <a:tcPr marL="9525" marR="9525" marT="9525" marB="0" anchor="ctr"/>
+                </a:tc>
+                <a:tc>
+                  <a:txBody>
+                    <a:bodyPr/>
+                    <a:lstStyle/>
+                    <a:p>
+                      <a:pPr algn="ctr" fontAlgn="b"/>
+                      <a:r>
+                        <a:rPr lang="en-US" sz="700" b="0" i="0" u="none" strike="noStrike">
+                          <a:solidFill>
+                            <a:srgbClr val="000000"/>
+                          </a:solidFill>
+                          <a:effectLst/>
+                          <a:latin typeface="+mn-lt"/>
+                        </a:rPr>
+                        <a:t>27%</a:t>
+                      </a:r>
+                    </a:p>
+                  </a:txBody>
+                  <a:tcPr marL="9525" marR="9525" marT="9525" marB="0" anchor="ctr"/>
+                </a:tc>
+                <a:extLst>
+                  <a:ext uri="{0D108BD9-81ED-4DB2-BD59-A6C34878D82A}">
+                    <a16:rowId xmlns:a16="http://schemas.microsoft.com/office/drawing/2014/main" val="1054576235"/>
+                  </a:ext>
+                </a:extLst>
+              </a:tr>
+              <a:tr h="128175">
+                <a:tc>
+                  <a:txBody>
+                    <a:bodyPr/>
+                    <a:lstStyle/>
+                    <a:p>
+                      <a:pPr algn="ctr" fontAlgn="b"/>
+                      <a:r>
+                        <a:rPr lang="en-US" sz="700" b="0" i="0" u="none" strike="noStrike" dirty="0">
+                          <a:solidFill>
+                            <a:srgbClr val="000000"/>
+                          </a:solidFill>
+                          <a:effectLst/>
+                          <a:latin typeface="+mn-lt"/>
+                        </a:rPr>
+                        <a:t>98038</a:t>
+                      </a:r>
+                    </a:p>
+                  </a:txBody>
+                  <a:tcPr marL="9525" marR="9525" marT="9525" marB="0" anchor="ctr"/>
+                </a:tc>
+                <a:tc>
+                  <a:txBody>
+                    <a:bodyPr/>
+                    <a:lstStyle/>
+                    <a:p>
+                      <a:pPr algn="ctr" fontAlgn="b"/>
+                      <a:r>
+                        <a:rPr lang="en-US" sz="700" b="0" i="0" u="none" strike="noStrike">
+                          <a:solidFill>
+                            <a:srgbClr val="000000"/>
+                          </a:solidFill>
+                          <a:effectLst/>
+                          <a:latin typeface="+mn-lt"/>
+                        </a:rPr>
+                        <a:t>20%</a:t>
+                      </a:r>
+                    </a:p>
+                  </a:txBody>
+                  <a:tcPr marL="9525" marR="9525" marT="9525" marB="0" anchor="ctr"/>
+                </a:tc>
+                <a:extLst>
+                  <a:ext uri="{0D108BD9-81ED-4DB2-BD59-A6C34878D82A}">
+                    <a16:rowId xmlns:a16="http://schemas.microsoft.com/office/drawing/2014/main" val="3998655735"/>
+                  </a:ext>
+                </a:extLst>
+              </a:tr>
+              <a:tr h="128175">
+                <a:tc>
+                  <a:txBody>
+                    <a:bodyPr/>
+                    <a:lstStyle/>
+                    <a:p>
+                      <a:pPr algn="ctr" fontAlgn="b"/>
+                      <a:r>
+                        <a:rPr lang="en-US" sz="700" b="0" i="0" u="none" strike="noStrike">
+                          <a:solidFill>
+                            <a:srgbClr val="000000"/>
+                          </a:solidFill>
+                          <a:effectLst/>
+                          <a:latin typeface="+mn-lt"/>
+                        </a:rPr>
+                        <a:t>98178</a:t>
+                      </a:r>
+                    </a:p>
+                  </a:txBody>
+                  <a:tcPr marL="9525" marR="9525" marT="9525" marB="0" anchor="ctr"/>
+                </a:tc>
+                <a:tc>
+                  <a:txBody>
+                    <a:bodyPr/>
+                    <a:lstStyle/>
+                    <a:p>
+                      <a:pPr algn="ctr" fontAlgn="b"/>
+                      <a:r>
+                        <a:rPr lang="en-US" sz="700" b="0" i="0" u="none" strike="noStrike">
+                          <a:solidFill>
+                            <a:srgbClr val="000000"/>
+                          </a:solidFill>
+                          <a:effectLst/>
+                          <a:latin typeface="+mn-lt"/>
+                        </a:rPr>
+                        <a:t>19%</a:t>
+                      </a:r>
+                    </a:p>
+                  </a:txBody>
+                  <a:tcPr marL="9525" marR="9525" marT="9525" marB="0" anchor="ctr"/>
+                </a:tc>
+                <a:extLst>
+                  <a:ext uri="{0D108BD9-81ED-4DB2-BD59-A6C34878D82A}">
+                    <a16:rowId xmlns:a16="http://schemas.microsoft.com/office/drawing/2014/main" val="2516743255"/>
+                  </a:ext>
+                </a:extLst>
+              </a:tr>
+              <a:tr h="128175">
+                <a:tc>
+                  <a:txBody>
+                    <a:bodyPr/>
+                    <a:lstStyle/>
+                    <a:p>
+                      <a:pPr algn="ctr" fontAlgn="b"/>
+                      <a:r>
+                        <a:rPr lang="en-US" sz="700" b="0" i="0" u="none" strike="noStrike">
+                          <a:solidFill>
+                            <a:srgbClr val="000000"/>
+                          </a:solidFill>
+                          <a:effectLst/>
+                          <a:latin typeface="+mn-lt"/>
+                        </a:rPr>
+                        <a:t>98022</a:t>
+                      </a:r>
+                    </a:p>
+                  </a:txBody>
+                  <a:tcPr marL="9525" marR="9525" marT="9525" marB="0" anchor="ctr"/>
+                </a:tc>
+                <a:tc>
+                  <a:txBody>
+                    <a:bodyPr/>
+                    <a:lstStyle/>
+                    <a:p>
+                      <a:pPr algn="ctr" fontAlgn="b"/>
+                      <a:r>
+                        <a:rPr lang="en-US" sz="700" b="0" i="0" u="none" strike="noStrike">
+                          <a:solidFill>
+                            <a:srgbClr val="000000"/>
+                          </a:solidFill>
+                          <a:effectLst/>
+                          <a:latin typeface="+mn-lt"/>
+                        </a:rPr>
+                        <a:t>17%</a:t>
+                      </a:r>
+                    </a:p>
+                  </a:txBody>
+                  <a:tcPr marL="9525" marR="9525" marT="9525" marB="0" anchor="ctr"/>
+                </a:tc>
+                <a:extLst>
+                  <a:ext uri="{0D108BD9-81ED-4DB2-BD59-A6C34878D82A}">
+                    <a16:rowId xmlns:a16="http://schemas.microsoft.com/office/drawing/2014/main" val="2925738707"/>
+                  </a:ext>
+                </a:extLst>
+              </a:tr>
+              <a:tr h="128175">
+                <a:tc>
+                  <a:txBody>
+                    <a:bodyPr/>
+                    <a:lstStyle/>
+                    <a:p>
+                      <a:pPr algn="ctr" fontAlgn="b"/>
+                      <a:r>
+                        <a:rPr lang="en-US" sz="700" b="0" i="0" u="none" strike="noStrike">
+                          <a:solidFill>
+                            <a:srgbClr val="000000"/>
+                          </a:solidFill>
+                          <a:effectLst/>
+                          <a:latin typeface="+mn-lt"/>
+                        </a:rPr>
+                        <a:t>98058</a:t>
+                      </a:r>
+                    </a:p>
+                  </a:txBody>
+                  <a:tcPr marL="9525" marR="9525" marT="9525" marB="0" anchor="ctr"/>
+                </a:tc>
+                <a:tc>
+                  <a:txBody>
+                    <a:bodyPr/>
+                    <a:lstStyle/>
+                    <a:p>
+                      <a:pPr algn="ctr" fontAlgn="b"/>
+                      <a:r>
+                        <a:rPr lang="en-US" sz="700" b="0" i="0" u="none" strike="noStrike">
+                          <a:solidFill>
+                            <a:srgbClr val="000000"/>
+                          </a:solidFill>
+                          <a:effectLst/>
+                          <a:latin typeface="+mn-lt"/>
+                        </a:rPr>
+                        <a:t>17%</a:t>
+                      </a:r>
+                    </a:p>
+                  </a:txBody>
+                  <a:tcPr marL="9525" marR="9525" marT="9525" marB="0" anchor="ctr"/>
+                </a:tc>
+                <a:extLst>
+                  <a:ext uri="{0D108BD9-81ED-4DB2-BD59-A6C34878D82A}">
+                    <a16:rowId xmlns:a16="http://schemas.microsoft.com/office/drawing/2014/main" val="3539104172"/>
+                  </a:ext>
+                </a:extLst>
+              </a:tr>
+              <a:tr h="128175">
+                <a:tc>
+                  <a:txBody>
+                    <a:bodyPr/>
+                    <a:lstStyle/>
+                    <a:p>
+                      <a:pPr algn="ctr" fontAlgn="b"/>
+                      <a:r>
+                        <a:rPr lang="en-US" sz="700" b="0" i="0" u="none" strike="noStrike">
+                          <a:solidFill>
+                            <a:srgbClr val="000000"/>
+                          </a:solidFill>
+                          <a:effectLst/>
+                          <a:latin typeface="+mn-lt"/>
+                        </a:rPr>
+                        <a:t>98055</a:t>
+                      </a:r>
+                    </a:p>
+                  </a:txBody>
+                  <a:tcPr marL="9525" marR="9525" marT="9525" marB="0" anchor="ctr"/>
+                </a:tc>
+                <a:tc>
+                  <a:txBody>
+                    <a:bodyPr/>
+                    <a:lstStyle/>
+                    <a:p>
+                      <a:pPr algn="ctr" fontAlgn="b"/>
+                      <a:r>
+                        <a:rPr lang="en-US" sz="700" b="0" i="0" u="none" strike="noStrike">
+                          <a:solidFill>
+                            <a:srgbClr val="000000"/>
+                          </a:solidFill>
+                          <a:effectLst/>
+                          <a:latin typeface="+mn-lt"/>
+                        </a:rPr>
+                        <a:t>14%</a:t>
+                      </a:r>
+                    </a:p>
+                  </a:txBody>
+                  <a:tcPr marL="9525" marR="9525" marT="9525" marB="0" anchor="ctr"/>
+                </a:tc>
+                <a:extLst>
+                  <a:ext uri="{0D108BD9-81ED-4DB2-BD59-A6C34878D82A}">
+                    <a16:rowId xmlns:a16="http://schemas.microsoft.com/office/drawing/2014/main" val="2807284341"/>
+                  </a:ext>
+                </a:extLst>
+              </a:tr>
+              <a:tr h="128175">
+                <a:tc>
+                  <a:txBody>
+                    <a:bodyPr/>
+                    <a:lstStyle/>
+                    <a:p>
+                      <a:pPr algn="ctr" fontAlgn="b"/>
+                      <a:r>
+                        <a:rPr lang="en-US" sz="700" b="0" i="0" u="none" strike="noStrike" dirty="0">
+                          <a:solidFill>
+                            <a:srgbClr val="000000"/>
+                          </a:solidFill>
+                          <a:effectLst/>
+                          <a:latin typeface="+mn-lt"/>
+                        </a:rPr>
+                        <a:t>98148</a:t>
+                      </a:r>
+                    </a:p>
+                  </a:txBody>
+                  <a:tcPr marL="9525" marR="9525" marT="9525" marB="0" anchor="ctr"/>
+                </a:tc>
+                <a:tc>
+                  <a:txBody>
+                    <a:bodyPr/>
+                    <a:lstStyle/>
+                    <a:p>
+                      <a:pPr algn="ctr" fontAlgn="b"/>
+                      <a:r>
+                        <a:rPr lang="en-US" sz="700" b="0" i="0" u="none" strike="noStrike" dirty="0">
+                          <a:solidFill>
+                            <a:srgbClr val="000000"/>
+                          </a:solidFill>
+                          <a:effectLst/>
+                          <a:latin typeface="+mn-lt"/>
+                        </a:rPr>
+                        <a:t>13%</a:t>
+                      </a:r>
+                    </a:p>
+                  </a:txBody>
+                  <a:tcPr marL="9525" marR="9525" marT="9525" marB="0" anchor="ctr"/>
+                </a:tc>
+                <a:extLst>
+                  <a:ext uri="{0D108BD9-81ED-4DB2-BD59-A6C34878D82A}">
+                    <a16:rowId xmlns:a16="http://schemas.microsoft.com/office/drawing/2014/main" val="2962806920"/>
+                  </a:ext>
+                </a:extLst>
+              </a:tr>
+              <a:tr h="128175">
+                <a:tc>
+                  <a:txBody>
+                    <a:bodyPr/>
+                    <a:lstStyle/>
+                    <a:p>
+                      <a:pPr algn="ctr" fontAlgn="b"/>
+                      <a:r>
+                        <a:rPr lang="en-US" sz="700" b="0" i="0" u="none" strike="noStrike">
+                          <a:solidFill>
+                            <a:srgbClr val="000000"/>
+                          </a:solidFill>
+                          <a:effectLst/>
+                          <a:latin typeface="+mn-lt"/>
+                        </a:rPr>
+                        <a:t>98198</a:t>
+                      </a:r>
+                    </a:p>
+                  </a:txBody>
+                  <a:tcPr marL="9525" marR="9525" marT="9525" marB="0" anchor="ctr"/>
+                </a:tc>
+                <a:tc>
+                  <a:txBody>
+                    <a:bodyPr/>
+                    <a:lstStyle/>
+                    <a:p>
+                      <a:pPr algn="ctr" fontAlgn="b"/>
+                      <a:r>
+                        <a:rPr lang="en-US" sz="700" b="0" i="0" u="none" strike="noStrike">
+                          <a:solidFill>
+                            <a:srgbClr val="000000"/>
+                          </a:solidFill>
+                          <a:effectLst/>
+                          <a:latin typeface="+mn-lt"/>
+                        </a:rPr>
+                        <a:t>11%</a:t>
+                      </a:r>
+                    </a:p>
+                  </a:txBody>
+                  <a:tcPr marL="9525" marR="9525" marT="9525" marB="0" anchor="ctr"/>
+                </a:tc>
+                <a:extLst>
+                  <a:ext uri="{0D108BD9-81ED-4DB2-BD59-A6C34878D82A}">
+                    <a16:rowId xmlns:a16="http://schemas.microsoft.com/office/drawing/2014/main" val="4223687759"/>
+                  </a:ext>
+                </a:extLst>
+              </a:tr>
+              <a:tr h="128175">
+                <a:tc>
+                  <a:txBody>
+                    <a:bodyPr/>
+                    <a:lstStyle/>
+                    <a:p>
+                      <a:pPr algn="ctr" fontAlgn="b"/>
+                      <a:r>
+                        <a:rPr lang="en-US" sz="700" b="0" i="0" u="none" strike="noStrike">
+                          <a:solidFill>
+                            <a:srgbClr val="000000"/>
+                          </a:solidFill>
+                          <a:effectLst/>
+                          <a:latin typeface="+mn-lt"/>
+                        </a:rPr>
+                        <a:t>98188</a:t>
+                      </a:r>
+                    </a:p>
+                  </a:txBody>
+                  <a:tcPr marL="9525" marR="9525" marT="9525" marB="0" anchor="ctr"/>
+                </a:tc>
+                <a:tc>
+                  <a:txBody>
+                    <a:bodyPr/>
+                    <a:lstStyle/>
+                    <a:p>
+                      <a:pPr algn="ctr" fontAlgn="b"/>
+                      <a:r>
+                        <a:rPr lang="en-US" sz="700" b="0" i="0" u="none" strike="noStrike">
+                          <a:solidFill>
+                            <a:srgbClr val="000000"/>
+                          </a:solidFill>
+                          <a:effectLst/>
+                          <a:latin typeface="+mn-lt"/>
+                        </a:rPr>
+                        <a:t>9%</a:t>
+                      </a:r>
+                    </a:p>
+                  </a:txBody>
+                  <a:tcPr marL="9525" marR="9525" marT="9525" marB="0" anchor="ctr"/>
+                </a:tc>
+                <a:extLst>
+                  <a:ext uri="{0D108BD9-81ED-4DB2-BD59-A6C34878D82A}">
+                    <a16:rowId xmlns:a16="http://schemas.microsoft.com/office/drawing/2014/main" val="1903597481"/>
+                  </a:ext>
+                </a:extLst>
+              </a:tr>
+              <a:tr h="128175">
+                <a:tc>
+                  <a:txBody>
+                    <a:bodyPr/>
+                    <a:lstStyle/>
+                    <a:p>
+                      <a:pPr algn="ctr" fontAlgn="b"/>
+                      <a:r>
+                        <a:rPr lang="en-US" sz="700" b="0" i="0" u="none" strike="noStrike">
+                          <a:solidFill>
+                            <a:srgbClr val="000000"/>
+                          </a:solidFill>
+                          <a:effectLst/>
+                          <a:latin typeface="+mn-lt"/>
+                        </a:rPr>
+                        <a:t>98168</a:t>
+                      </a:r>
+                    </a:p>
+                  </a:txBody>
+                  <a:tcPr marL="9525" marR="9525" marT="9525" marB="0" anchor="ctr"/>
+                </a:tc>
+                <a:tc>
+                  <a:txBody>
+                    <a:bodyPr/>
+                    <a:lstStyle/>
+                    <a:p>
+                      <a:pPr algn="ctr" fontAlgn="b"/>
+                      <a:r>
+                        <a:rPr lang="en-US" sz="700" b="0" i="0" u="none" strike="noStrike">
+                          <a:solidFill>
+                            <a:srgbClr val="000000"/>
+                          </a:solidFill>
+                          <a:effectLst/>
+                          <a:latin typeface="+mn-lt"/>
+                        </a:rPr>
+                        <a:t>8%</a:t>
+                      </a:r>
+                    </a:p>
+                  </a:txBody>
+                  <a:tcPr marL="9525" marR="9525" marT="9525" marB="0" anchor="ctr"/>
+                </a:tc>
+                <a:extLst>
+                  <a:ext uri="{0D108BD9-81ED-4DB2-BD59-A6C34878D82A}">
+                    <a16:rowId xmlns:a16="http://schemas.microsoft.com/office/drawing/2014/main" val="2157807146"/>
+                  </a:ext>
+                </a:extLst>
+              </a:tr>
+              <a:tr h="128175">
+                <a:tc>
+                  <a:txBody>
+                    <a:bodyPr/>
+                    <a:lstStyle/>
+                    <a:p>
+                      <a:pPr algn="ctr" fontAlgn="b"/>
+                      <a:r>
+                        <a:rPr lang="en-US" sz="700" b="0" i="0" u="none" strike="noStrike">
+                          <a:solidFill>
+                            <a:srgbClr val="000000"/>
+                          </a:solidFill>
+                          <a:effectLst/>
+                          <a:latin typeface="+mn-lt"/>
+                        </a:rPr>
+                        <a:t>98042</a:t>
+                      </a:r>
+                    </a:p>
+                  </a:txBody>
+                  <a:tcPr marL="9525" marR="9525" marT="9525" marB="0" anchor="ctr"/>
+                </a:tc>
+                <a:tc>
+                  <a:txBody>
+                    <a:bodyPr/>
+                    <a:lstStyle/>
+                    <a:p>
+                      <a:pPr algn="ctr" fontAlgn="b"/>
+                      <a:r>
+                        <a:rPr lang="en-US" sz="700" b="0" i="0" u="none" strike="noStrike">
+                          <a:solidFill>
+                            <a:srgbClr val="000000"/>
+                          </a:solidFill>
+                          <a:effectLst/>
+                          <a:latin typeface="+mn-lt"/>
+                        </a:rPr>
+                        <a:t>8%</a:t>
+                      </a:r>
+                    </a:p>
+                  </a:txBody>
+                  <a:tcPr marL="9525" marR="9525" marT="9525" marB="0" anchor="ctr"/>
+                </a:tc>
+                <a:extLst>
+                  <a:ext uri="{0D108BD9-81ED-4DB2-BD59-A6C34878D82A}">
+                    <a16:rowId xmlns:a16="http://schemas.microsoft.com/office/drawing/2014/main" val="3117194532"/>
+                  </a:ext>
+                </a:extLst>
+              </a:tr>
+              <a:tr h="128175">
+                <a:tc>
+                  <a:txBody>
+                    <a:bodyPr/>
+                    <a:lstStyle/>
+                    <a:p>
+                      <a:pPr algn="ctr" fontAlgn="b"/>
+                      <a:r>
+                        <a:rPr lang="en-US" sz="700" b="0" i="0" u="none" strike="noStrike">
+                          <a:solidFill>
+                            <a:srgbClr val="000000"/>
+                          </a:solidFill>
+                          <a:effectLst/>
+                          <a:latin typeface="+mn-lt"/>
+                        </a:rPr>
+                        <a:t>98031</a:t>
+                      </a:r>
+                    </a:p>
+                  </a:txBody>
+                  <a:tcPr marL="9525" marR="9525" marT="9525" marB="0" anchor="ctr"/>
+                </a:tc>
+                <a:tc>
+                  <a:txBody>
+                    <a:bodyPr/>
+                    <a:lstStyle/>
+                    <a:p>
+                      <a:pPr algn="ctr" fontAlgn="b"/>
+                      <a:r>
+                        <a:rPr lang="en-US" sz="700" b="0" i="0" u="none" strike="noStrike">
+                          <a:solidFill>
+                            <a:srgbClr val="000000"/>
+                          </a:solidFill>
+                          <a:effectLst/>
+                          <a:latin typeface="+mn-lt"/>
+                        </a:rPr>
+                        <a:t>6%</a:t>
+                      </a:r>
+                    </a:p>
+                  </a:txBody>
+                  <a:tcPr marL="9525" marR="9525" marT="9525" marB="0" anchor="ctr"/>
+                </a:tc>
+                <a:extLst>
+                  <a:ext uri="{0D108BD9-81ED-4DB2-BD59-A6C34878D82A}">
+                    <a16:rowId xmlns:a16="http://schemas.microsoft.com/office/drawing/2014/main" val="3534001861"/>
+                  </a:ext>
+                </a:extLst>
+              </a:tr>
+              <a:tr h="128175">
+                <a:tc>
+                  <a:txBody>
+                    <a:bodyPr/>
+                    <a:lstStyle/>
+                    <a:p>
+                      <a:pPr algn="ctr" fontAlgn="b"/>
+                      <a:r>
+                        <a:rPr lang="en-US" sz="700" b="0" i="0" u="none" strike="noStrike">
+                          <a:solidFill>
+                            <a:srgbClr val="000000"/>
+                          </a:solidFill>
+                          <a:effectLst/>
+                          <a:latin typeface="+mn-lt"/>
+                        </a:rPr>
+                        <a:t>98092</a:t>
+                      </a:r>
+                    </a:p>
+                  </a:txBody>
+                  <a:tcPr marL="9525" marR="9525" marT="9525" marB="0" anchor="ctr"/>
+                </a:tc>
+                <a:tc>
+                  <a:txBody>
+                    <a:bodyPr/>
+                    <a:lstStyle/>
+                    <a:p>
+                      <a:pPr algn="ctr" fontAlgn="b"/>
+                      <a:r>
+                        <a:rPr lang="en-US" sz="700" b="0" i="0" u="none" strike="noStrike" dirty="0">
+                          <a:solidFill>
+                            <a:srgbClr val="000000"/>
+                          </a:solidFill>
+                          <a:effectLst/>
+                          <a:latin typeface="+mn-lt"/>
+                        </a:rPr>
+                        <a:t>4%</a:t>
+                      </a:r>
+                    </a:p>
+                  </a:txBody>
+                  <a:tcPr marL="9525" marR="9525" marT="9525" marB="0" anchor="ctr"/>
+                </a:tc>
+                <a:extLst>
+                  <a:ext uri="{0D108BD9-81ED-4DB2-BD59-A6C34878D82A}">
+                    <a16:rowId xmlns:a16="http://schemas.microsoft.com/office/drawing/2014/main" val="373398550"/>
+                  </a:ext>
+                </a:extLst>
+              </a:tr>
+              <a:tr h="128175">
+                <a:tc>
+                  <a:txBody>
+                    <a:bodyPr/>
+                    <a:lstStyle/>
+                    <a:p>
+                      <a:pPr algn="ctr" fontAlgn="b"/>
+                      <a:r>
+                        <a:rPr lang="en-US" sz="700" b="0" i="0" u="none" strike="noStrike" dirty="0">
+                          <a:solidFill>
+                            <a:srgbClr val="000000"/>
+                          </a:solidFill>
+                          <a:effectLst/>
+                          <a:latin typeface="+mn-lt"/>
+                        </a:rPr>
+                        <a:t>98023</a:t>
+                      </a:r>
+                    </a:p>
+                  </a:txBody>
+                  <a:tcPr marL="9525" marR="9525" marT="9525" marB="0" anchor="ctr"/>
+                </a:tc>
+                <a:tc>
+                  <a:txBody>
+                    <a:bodyPr/>
+                    <a:lstStyle/>
+                    <a:p>
+                      <a:pPr algn="ctr" fontAlgn="b"/>
+                      <a:r>
+                        <a:rPr lang="en-US" sz="700" b="0" i="0" u="none" strike="noStrike" dirty="0">
+                          <a:solidFill>
+                            <a:srgbClr val="000000"/>
+                          </a:solidFill>
+                          <a:effectLst/>
+                          <a:latin typeface="+mn-lt"/>
+                        </a:rPr>
+                        <a:t>-5%</a:t>
+                      </a:r>
+                    </a:p>
+                  </a:txBody>
+                  <a:tcPr marL="9525" marR="9525" marT="9525" marB="0" anchor="ctr"/>
+                </a:tc>
+                <a:extLst>
+                  <a:ext uri="{0D108BD9-81ED-4DB2-BD59-A6C34878D82A}">
+                    <a16:rowId xmlns:a16="http://schemas.microsoft.com/office/drawing/2014/main" val="108254496"/>
+                  </a:ext>
+                </a:extLst>
+              </a:tr>
+            </a:tbl>
+          </a:graphicData>
+        </a:graphic>
+      </p:graphicFrame>
+    </p:spTree>
+    <p:extLst>
+      <p:ext uri="{BB962C8B-B14F-4D97-AF65-F5344CB8AC3E}">
+        <p14:creationId xmlns:p14="http://schemas.microsoft.com/office/powerpoint/2010/main" val="3811519495"/>
+      </p:ext>
+    </p:extLst>
+  </p:cSld>
+  <p:clrMapOvr>
+    <a:masterClrMapping/>
+  </p:clrMapOvr>
+</p:sld>
+</file>
+
+<file path=ppt/slides/slide11.xml><?xml version="1.0" encoding="utf-8"?>
+<p:sld xmlns:a="http://schemas.openxmlformats.org/drawingml/2006/main" xmlns:r="http://schemas.openxmlformats.org/officeDocument/2006/relationships" xmlns:p="http://schemas.openxmlformats.org/presentationml/2006/main">
+  <p:cSld>
+    <p:spTree>
+      <p:nvGrpSpPr>
+        <p:cNvPr id="1" name=""/>
+        <p:cNvGrpSpPr/>
+        <p:nvPr/>
+      </p:nvGrpSpPr>
+      <p:grpSpPr>
+        <a:xfrm>
+          <a:off x="0" y="0"/>
+          <a:ext cx="0" cy="0"/>
+          <a:chOff x="0" y="0"/>
+          <a:chExt cx="0" cy="0"/>
+        </a:xfrm>
+      </p:grpSpPr>
+      <p:sp>
+        <p:nvSpPr>
+          <p:cNvPr id="2" name="Title 1">
+            <a:extLst>
+              <a:ext uri="{FF2B5EF4-FFF2-40B4-BE49-F238E27FC236}">
+                <a16:creationId xmlns:a16="http://schemas.microsoft.com/office/drawing/2014/main" id="{46B14526-42B1-4141-BDDD-41B62C98C4B9}"/>
+              </a:ext>
+            </a:extLst>
+          </p:cNvPr>
+          <p:cNvSpPr>
+            <a:spLocks noGrp="1"/>
+          </p:cNvSpPr>
+          <p:nvPr>
+            <p:ph type="title"/>
+          </p:nvPr>
+        </p:nvSpPr>
+        <p:spPr/>
+        <p:txBody>
+          <a:bodyPr/>
+          <a:lstStyle/>
+          <a:p>
+            <a:r>
+              <a:rPr lang="en-US" dirty="0"/>
+              <a:t>FAMILY DETAILS</a:t>
+            </a:r>
+          </a:p>
+        </p:txBody>
+      </p:sp>
+      <p:sp>
+        <p:nvSpPr>
+          <p:cNvPr id="3" name="Content Placeholder 2">
+            <a:extLst>
+              <a:ext uri="{FF2B5EF4-FFF2-40B4-BE49-F238E27FC236}">
+                <a16:creationId xmlns:a16="http://schemas.microsoft.com/office/drawing/2014/main" id="{9BD08E04-22BC-F140-B9D0-1B0A8BD76806}"/>
+              </a:ext>
+            </a:extLst>
+          </p:cNvPr>
+          <p:cNvSpPr>
+            <a:spLocks noGrp="1"/>
+          </p:cNvSpPr>
+          <p:nvPr>
+            <p:ph idx="1"/>
+          </p:nvPr>
+        </p:nvSpPr>
+        <p:spPr/>
+        <p:txBody>
+          <a:bodyPr>
+            <a:normAutofit lnSpcReduction="10000"/>
+          </a:bodyPr>
+          <a:lstStyle/>
+          <a:p>
+            <a:r>
+              <a:rPr lang="en-US" sz="2000" dirty="0"/>
+              <a:t>Family 1 would like a 3 bedroom, 2 bathroom house in zip code 98011. They would prefer a basement and a home quality of at least 6/13</a:t>
+            </a:r>
+          </a:p>
+          <a:p>
+            <a:r>
+              <a:rPr lang="en-US" sz="2000" dirty="0"/>
+              <a:t>Family 3 would like a 2 bedroom, 1 bathroom house in zip code 98032. They would prefer a home quality of 10/13</a:t>
+            </a:r>
+          </a:p>
+          <a:p>
+            <a:r>
+              <a:rPr lang="en-US" sz="2000" dirty="0"/>
+              <a:t>Family 3 would like a 1 bedroom, 1 bathroom house in zip code 98045. They would prefer a home quality of at least 8/13</a:t>
+            </a:r>
+          </a:p>
+          <a:p>
+            <a:r>
+              <a:rPr lang="en-US" sz="2000" dirty="0"/>
+              <a:t>Family 4 would like a 4 bedroom, 3 bathroom house in zip code 98112. They would prefer a basement and a home quality of at least 6/13</a:t>
+            </a:r>
+          </a:p>
+          <a:p>
+            <a:r>
+              <a:rPr lang="en-US" sz="2000" dirty="0"/>
+              <a:t>Family 5 would like a 1 bedroom, 2 bathroom house in zip code 98001. They would prefer a home quality of at least 5/13</a:t>
+            </a:r>
+          </a:p>
+        </p:txBody>
+      </p:sp>
+    </p:spTree>
+    <p:extLst>
+      <p:ext uri="{BB962C8B-B14F-4D97-AF65-F5344CB8AC3E}">
+        <p14:creationId xmlns:p14="http://schemas.microsoft.com/office/powerpoint/2010/main" val="3492482915"/>
+      </p:ext>
+    </p:extLst>
+  </p:cSld>
+  <p:clrMapOvr>
+    <a:masterClrMapping/>
+  </p:clrMapOvr>
+</p:sld>
+</file>
+
 <file path=ppt/slides/slide2.xml><?xml version="1.0" encoding="utf-8"?>
 <p:sld xmlns:a="http://schemas.openxmlformats.org/drawingml/2006/main" xmlns:r="http://schemas.openxmlformats.org/officeDocument/2006/relationships" xmlns:p="http://schemas.openxmlformats.org/presentationml/2006/main">
   <p:cSld>
@@ -11458,8 +14864,20 @@
           <a:lstStyle/>
           <a:p>
             <a:r>
+              <a:rPr lang="en-US" sz="2000" b="1" dirty="0"/>
+              <a:t>King County Healing Association</a:t>
+            </a:r>
+            <a:r>
               <a:rPr lang="en-US" sz="2000" dirty="0"/>
-              <a:t>King County Healing Association, a nonprofit dedicated to helping previously incarcerated individuals re-enter their communities, wants to create a new program to help relieve aspiring homeowners of discrimination in the housing process</a:t>
+              <a:t>, a nonprofit dedicated to helping previously incarcerated individuals re-enter their communities, needs </a:t>
+            </a:r>
+            <a:r>
+              <a:rPr lang="en-US" sz="2000" b="1" dirty="0"/>
+              <a:t>a budget estimate </a:t>
+            </a:r>
+            <a:r>
+              <a:rPr lang="en-US" sz="2000" dirty="0"/>
+              <a:t>for their new program to help relieve aspiring homeowners of discrimination in the housing process</a:t>
             </a:r>
           </a:p>
           <a:p>
@@ -11471,19 +14889,43 @@
           <a:p>
             <a:r>
               <a:rPr lang="en-US" sz="2000" dirty="0"/>
-              <a:t>KCHA has selected 5 families to assist during their first year of the program, which they plan to roll out in 3 years. The program needs to estimate the sum of down payments based on the applicant’s parole office location (applicant is required to live within the same zip code of the office if applicable), household size, and other general preferences.</a:t>
+              <a:t>KCHA has selected 5 families to assist during their first year of the program, which they plan to roll out in 3 years. The program needs to estimate the sum of down payments based on the applicant’s parole office location (</a:t>
+            </a:r>
+            <a:r>
+              <a:rPr lang="en-US" sz="2000" b="1" dirty="0"/>
+              <a:t>applicant is required to live within the same zip code of the office if applicable</a:t>
+            </a:r>
+            <a:r>
+              <a:rPr lang="en-US" sz="2000" dirty="0"/>
+              <a:t>), household size, and other general preferences.</a:t>
             </a:r>
           </a:p>
           <a:p>
             <a:r>
               <a:rPr lang="en-US" sz="2000" dirty="0"/>
-              <a:t>The Organization would ideally choose a budget of 500k for the first year</a:t>
+              <a:t>The organization would </a:t>
+            </a:r>
+            <a:r>
+              <a:rPr lang="en-US" sz="2000" b="1" dirty="0"/>
+              <a:t>ideally choose a budget of 500k </a:t>
+            </a:r>
+            <a:r>
+              <a:rPr lang="en-US" sz="2000" dirty="0"/>
+              <a:t>for the first year</a:t>
             </a:r>
           </a:p>
           <a:p>
             <a:r>
               <a:rPr lang="en-US" sz="2000" dirty="0"/>
-              <a:t>KCHA is also interested in which factors affect price the most, and if they need to add any limitations to their program</a:t>
+              <a:t>KCHA is also interested in </a:t>
+            </a:r>
+            <a:r>
+              <a:rPr lang="en-US" sz="2000" b="1" dirty="0"/>
+              <a:t>which factors affect price the most</a:t>
+            </a:r>
+            <a:r>
+              <a:rPr lang="en-US" sz="2000" dirty="0"/>
+              <a:t>, and if they need to add any limitations to their program</a:t>
             </a:r>
           </a:p>
         </p:txBody>
@@ -11541,7 +14983,7 @@
           <a:p>
             <a:r>
               <a:rPr lang="en-US" dirty="0"/>
-              <a:t>Methodology</a:t>
+              <a:t>DATA / Methodology</a:t>
             </a:r>
           </a:p>
         </p:txBody>
@@ -11605,14 +15047,14 @@
           <a:p>
             <a:r>
               <a:rPr lang="en-US" dirty="0"/>
-              <a:t>Column Definitions:</a:t>
+              <a:t>Definitions:</a:t>
             </a:r>
           </a:p>
           <a:p>
             <a:pPr lvl="1"/>
             <a:r>
               <a:rPr lang="en-US" sz="1400" dirty="0"/>
-              <a:t>price:  price of house</a:t>
+              <a:t>price:  sale price of house</a:t>
             </a:r>
           </a:p>
           <a:p>
@@ -11633,29 +15075,7 @@
             <a:pPr lvl="1"/>
             <a:r>
               <a:rPr lang="en-US" sz="1400" dirty="0"/>
-              <a:t>grade: overall grade given to the housing unit, based on King County grading system</a:t>
-            </a:r>
-          </a:p>
-          <a:p>
-            <a:pPr lvl="1"/>
-            <a:r>
-              <a:rPr lang="en-US" sz="1400" dirty="0" err="1"/>
-              <a:t>has_basement</a:t>
-            </a:r>
-            <a:r>
-              <a:rPr lang="en-US" sz="1400" dirty="0"/>
-              <a:t>: whether the house has a basement or not</a:t>
-            </a:r>
-          </a:p>
-          <a:p>
-            <a:pPr lvl="1"/>
-            <a:r>
-              <a:rPr lang="en-US" sz="1400" dirty="0" err="1"/>
-              <a:t>is_renovated</a:t>
-            </a:r>
-            <a:r>
-              <a:rPr lang="en-US" sz="1400" dirty="0"/>
-              <a:t> : whether the house had renovations or not</a:t>
+              <a:t>grade: overall grade given to the housing unit, based on King County grading system (1 – 13)</a:t>
             </a:r>
           </a:p>
           <a:p>
@@ -11666,7 +15086,7 @@
             </a:r>
             <a:r>
               <a:rPr lang="en-US" sz="1400" dirty="0"/>
-              <a:t>: zip code of house</a:t>
+              <a:t>:  zip code where house is located</a:t>
             </a:r>
           </a:p>
           <a:p>
@@ -11771,7 +15191,7 @@
             <p:ph idx="1"/>
             <p:extLst>
               <p:ext uri="{D42A27DB-BD31-4B8C-83A1-F6EECF244321}">
-                <p14:modId xmlns:p14="http://schemas.microsoft.com/office/powerpoint/2010/main" val="4119765585"/>
+                <p14:modId xmlns:p14="http://schemas.microsoft.com/office/powerpoint/2010/main" val="3776290453"/>
               </p:ext>
             </p:extLst>
           </p:nvPr>
@@ -12185,7 +15605,7 @@
           <a:p>
             <a:r>
               <a:rPr lang="en-US" dirty="0"/>
-              <a:t>For Family 5, decreasing grade from 6 to 5 would decrease the sale price by an expected 35k (or 35k off the down payment) </a:t>
+              <a:t>For Family 4, decreasing grade from 6 to 5 would decrease the sale price by an expected 117k (or 35k off the down payment) </a:t>
             </a:r>
           </a:p>
           <a:p>
@@ -12967,9 +16387,6 @@
           </a:bodyPr>
           <a:lstStyle/>
           <a:p>
-            <a:endParaRPr lang="en-US" dirty="0"/>
-          </a:p>
-          <a:p>
             <a:r>
               <a:rPr lang="en-US" dirty="0"/>
               <a:t>Homes in zip codes </a:t>
@@ -12978,7 +16395,7 @@
               <a:rPr lang="en-US" dirty="0">
                 <a:cs typeface="Arial" panose="020B0604020202020204" pitchFamily="34" charset="0"/>
               </a:rPr>
-              <a:t>98039, 98004 and 98112 are expected to sell for the highest prices</a:t>
+              <a:t>98039, 98004 and 98112 are generally expected to sell for the highest prices</a:t>
             </a:r>
           </a:p>
           <a:p>
@@ -12994,13 +16411,7 @@
               <a:rPr lang="en-US" dirty="0">
                 <a:cs typeface="Arial" panose="020B0604020202020204" pitchFamily="34" charset="0"/>
               </a:rPr>
-              <a:t>If Family 4 chose adjacent 98144</a:t>
-            </a:r>
-          </a:p>
-          <a:p>
-            <a:r>
-              <a:rPr lang="en-US" dirty="0"/>
-              <a:t>Locations directly adjacent to the priciest zip codes have significantly lower expected values </a:t>
+              <a:t>If Family 4 chose adjacent zip code 98144 rather than 98112, we’d expect a decrease of almost 62k in the down payment. </a:t>
             </a:r>
           </a:p>
         </p:txBody>
@@ -13517,6 +16928,413 @@
 </p:sld>
 </file>
 
+<file path=ppt/slides/slide9.xml><?xml version="1.0" encoding="utf-8"?>
+<p:sld xmlns:a="http://schemas.openxmlformats.org/drawingml/2006/main" xmlns:r="http://schemas.openxmlformats.org/officeDocument/2006/relationships" xmlns:p="http://schemas.openxmlformats.org/presentationml/2006/main">
+  <p:cSld>
+    <p:bg>
+      <p:bgPr>
+        <a:solidFill>
+          <a:schemeClr val="bg1"/>
+        </a:solidFill>
+        <a:effectLst/>
+      </p:bgPr>
+    </p:bg>
+    <p:spTree>
+      <p:nvGrpSpPr>
+        <p:cNvPr id="1" name=""/>
+        <p:cNvGrpSpPr/>
+        <p:nvPr/>
+      </p:nvGrpSpPr>
+      <p:grpSpPr>
+        <a:xfrm>
+          <a:off x="0" y="0"/>
+          <a:ext cx="0" cy="0"/>
+          <a:chOff x="0" y="0"/>
+          <a:chExt cx="0" cy="0"/>
+        </a:xfrm>
+      </p:grpSpPr>
+      <p:sp>
+        <p:nvSpPr>
+          <p:cNvPr id="17" name="Rectangle 9">
+            <a:extLst>
+              <a:ext uri="{FF2B5EF4-FFF2-40B4-BE49-F238E27FC236}">
+                <a16:creationId xmlns:a16="http://schemas.microsoft.com/office/drawing/2014/main" id="{DB691D59-8F51-4DD8-AD41-D568D29B08F8}"/>
+              </a:ext>
+              <a:ext uri="{C183D7F6-B498-43B3-948B-1728B52AA6E4}">
+                <adec:decorative xmlns:adec="http://schemas.microsoft.com/office/drawing/2017/decorative" val="1"/>
+              </a:ext>
+            </a:extLst>
+          </p:cNvPr>
+          <p:cNvSpPr>
+            <a:spLocks noGrp="1" noRot="1" noChangeAspect="1" noMove="1" noResize="1" noEditPoints="1" noAdjustHandles="1" noChangeArrowheads="1" noChangeShapeType="1" noTextEdit="1"/>
+          </p:cNvSpPr>
+          <p:nvPr>
+            <p:extLst>
+              <p:ext uri="{386F3935-93C4-4BCD-93E2-E3B085C9AB24}">
+                <p16:designElem xmlns:p16="http://schemas.microsoft.com/office/powerpoint/2015/main" val="1"/>
+              </p:ext>
+            </p:extLst>
+          </p:nvPr>
+        </p:nvSpPr>
+        <p:spPr>
+          <a:xfrm>
+            <a:off x="446534" y="457200"/>
+            <a:ext cx="3703320" cy="94997"/>
+          </a:xfrm>
+          <a:prstGeom prst="rect">
+            <a:avLst/>
+          </a:prstGeom>
+          <a:solidFill>
+            <a:schemeClr val="accent1"/>
+          </a:solidFill>
+          <a:ln>
+            <a:noFill/>
+          </a:ln>
+          <a:effectLst/>
+        </p:spPr>
+        <p:style>
+          <a:lnRef idx="1">
+            <a:schemeClr val="accent1"/>
+          </a:lnRef>
+          <a:fillRef idx="3">
+            <a:schemeClr val="accent1"/>
+          </a:fillRef>
+          <a:effectRef idx="2">
+            <a:schemeClr val="accent1"/>
+          </a:effectRef>
+          <a:fontRef idx="minor">
+            <a:schemeClr val="lt1"/>
+          </a:fontRef>
+        </p:style>
+      </p:sp>
+      <p:sp>
+        <p:nvSpPr>
+          <p:cNvPr id="19" name="Rectangle 11">
+            <a:extLst>
+              <a:ext uri="{FF2B5EF4-FFF2-40B4-BE49-F238E27FC236}">
+                <a16:creationId xmlns:a16="http://schemas.microsoft.com/office/drawing/2014/main" id="{204AEF18-0627-48F3-9B3D-F7E8F050B1D4}"/>
+              </a:ext>
+              <a:ext uri="{C183D7F6-B498-43B3-948B-1728B52AA6E4}">
+                <adec:decorative xmlns:adec="http://schemas.microsoft.com/office/drawing/2017/decorative" val="1"/>
+              </a:ext>
+            </a:extLst>
+          </p:cNvPr>
+          <p:cNvSpPr>
+            <a:spLocks noGrp="1" noRot="1" noChangeAspect="1" noMove="1" noResize="1" noEditPoints="1" noAdjustHandles="1" noChangeArrowheads="1" noChangeShapeType="1" noTextEdit="1"/>
+          </p:cNvSpPr>
+          <p:nvPr>
+            <p:extLst>
+              <p:ext uri="{386F3935-93C4-4BCD-93E2-E3B085C9AB24}">
+                <p16:designElem xmlns:p16="http://schemas.microsoft.com/office/powerpoint/2015/main" val="1"/>
+              </p:ext>
+            </p:extLst>
+          </p:nvPr>
+        </p:nvSpPr>
+        <p:spPr>
+          <a:xfrm>
+            <a:off x="8042147" y="453643"/>
+            <a:ext cx="3703320" cy="98554"/>
+          </a:xfrm>
+          <a:prstGeom prst="rect">
+            <a:avLst/>
+          </a:prstGeom>
+          <a:solidFill>
+            <a:schemeClr val="accent4"/>
+          </a:solidFill>
+          <a:ln>
+            <a:noFill/>
+          </a:ln>
+          <a:effectLst/>
+        </p:spPr>
+        <p:style>
+          <a:lnRef idx="1">
+            <a:schemeClr val="accent1"/>
+          </a:lnRef>
+          <a:fillRef idx="3">
+            <a:schemeClr val="accent1"/>
+          </a:fillRef>
+          <a:effectRef idx="2">
+            <a:schemeClr val="accent1"/>
+          </a:effectRef>
+          <a:fontRef idx="minor">
+            <a:schemeClr val="lt1"/>
+          </a:fontRef>
+        </p:style>
+      </p:sp>
+      <p:sp>
+        <p:nvSpPr>
+          <p:cNvPr id="21" name="Rectangle 13">
+            <a:extLst>
+              <a:ext uri="{FF2B5EF4-FFF2-40B4-BE49-F238E27FC236}">
+                <a16:creationId xmlns:a16="http://schemas.microsoft.com/office/drawing/2014/main" id="{CEAEE08A-C572-438F-9753-B0D527A515A7}"/>
+              </a:ext>
+              <a:ext uri="{C183D7F6-B498-43B3-948B-1728B52AA6E4}">
+                <adec:decorative xmlns:adec="http://schemas.microsoft.com/office/drawing/2017/decorative" val="1"/>
+              </a:ext>
+            </a:extLst>
+          </p:cNvPr>
+          <p:cNvSpPr>
+            <a:spLocks noGrp="1" noRot="1" noChangeAspect="1" noMove="1" noResize="1" noEditPoints="1" noAdjustHandles="1" noChangeArrowheads="1" noChangeShapeType="1" noTextEdit="1"/>
+          </p:cNvSpPr>
+          <p:nvPr>
+            <p:extLst>
+              <p:ext uri="{386F3935-93C4-4BCD-93E2-E3B085C9AB24}">
+                <p16:designElem xmlns:p16="http://schemas.microsoft.com/office/powerpoint/2015/main" val="1"/>
+              </p:ext>
+            </p:extLst>
+          </p:nvPr>
+        </p:nvSpPr>
+        <p:spPr>
+          <a:xfrm>
+            <a:off x="4241830" y="457200"/>
+            <a:ext cx="3703320" cy="91440"/>
+          </a:xfrm>
+          <a:prstGeom prst="rect">
+            <a:avLst/>
+          </a:prstGeom>
+          <a:solidFill>
+            <a:schemeClr val="accent2"/>
+          </a:solidFill>
+          <a:ln>
+            <a:noFill/>
+          </a:ln>
+          <a:effectLst/>
+        </p:spPr>
+        <p:style>
+          <a:lnRef idx="1">
+            <a:schemeClr val="accent1"/>
+          </a:lnRef>
+          <a:fillRef idx="3">
+            <a:schemeClr val="accent1"/>
+          </a:fillRef>
+          <a:effectRef idx="2">
+            <a:schemeClr val="accent1"/>
+          </a:effectRef>
+          <a:fontRef idx="minor">
+            <a:schemeClr val="lt1"/>
+          </a:fontRef>
+        </p:style>
+      </p:sp>
+      <p:sp>
+        <p:nvSpPr>
+          <p:cNvPr id="16" name="Rectangle 15">
+            <a:extLst>
+              <a:ext uri="{FF2B5EF4-FFF2-40B4-BE49-F238E27FC236}">
+                <a16:creationId xmlns:a16="http://schemas.microsoft.com/office/drawing/2014/main" id="{DB93146F-62ED-4C59-844C-0935D0FB5031}"/>
+              </a:ext>
+              <a:ext uri="{C183D7F6-B498-43B3-948B-1728B52AA6E4}">
+                <adec:decorative xmlns:adec="http://schemas.microsoft.com/office/drawing/2017/decorative" val="1"/>
+              </a:ext>
+            </a:extLst>
+          </p:cNvPr>
+          <p:cNvSpPr>
+            <a:spLocks noGrp="1" noRot="1" noChangeAspect="1" noMove="1" noResize="1" noEditPoints="1" noAdjustHandles="1" noChangeArrowheads="1" noChangeShapeType="1" noTextEdit="1"/>
+          </p:cNvSpPr>
+          <p:nvPr>
+            <p:extLst>
+              <p:ext uri="{386F3935-93C4-4BCD-93E2-E3B085C9AB24}">
+                <p16:designElem xmlns:p16="http://schemas.microsoft.com/office/powerpoint/2015/main" val="1"/>
+              </p:ext>
+            </p:extLst>
+          </p:nvPr>
+        </p:nvSpPr>
+        <p:spPr>
+          <a:xfrm>
+            <a:off x="446534" y="3085765"/>
+            <a:ext cx="11262866" cy="3304800"/>
+          </a:xfrm>
+          <a:prstGeom prst="rect">
+            <a:avLst/>
+          </a:prstGeom>
+          <a:solidFill>
+            <a:schemeClr val="accent1"/>
+          </a:solidFill>
+          <a:ln>
+            <a:noFill/>
+          </a:ln>
+          <a:effectLst/>
+        </p:spPr>
+        <p:style>
+          <a:lnRef idx="1">
+            <a:schemeClr val="accent1"/>
+          </a:lnRef>
+          <a:fillRef idx="3">
+            <a:schemeClr val="accent1"/>
+          </a:fillRef>
+          <a:effectRef idx="2">
+            <a:schemeClr val="accent1"/>
+          </a:effectRef>
+          <a:fontRef idx="minor">
+            <a:schemeClr val="lt1"/>
+          </a:fontRef>
+        </p:style>
+      </p:sp>
+      <p:sp useBgFill="1">
+        <p:nvSpPr>
+          <p:cNvPr id="18" name="Rectangle 17">
+            <a:extLst>
+              <a:ext uri="{FF2B5EF4-FFF2-40B4-BE49-F238E27FC236}">
+                <a16:creationId xmlns:a16="http://schemas.microsoft.com/office/drawing/2014/main" id="{B5D795CF-5F70-4821-BB11-0B2B8FCCD45A}"/>
+              </a:ext>
+              <a:ext uri="{C183D7F6-B498-43B3-948B-1728B52AA6E4}">
+                <adec:decorative xmlns:adec="http://schemas.microsoft.com/office/drawing/2017/decorative" val="1"/>
+              </a:ext>
+            </a:extLst>
+          </p:cNvPr>
+          <p:cNvSpPr>
+            <a:spLocks noGrp="1" noRot="1" noChangeAspect="1" noMove="1" noResize="1" noEditPoints="1" noAdjustHandles="1" noChangeArrowheads="1" noChangeShapeType="1" noTextEdit="1"/>
+          </p:cNvSpPr>
+          <p:nvPr>
+            <p:extLst>
+              <p:ext uri="{386F3935-93C4-4BCD-93E2-E3B085C9AB24}">
+                <p16:designElem xmlns:p16="http://schemas.microsoft.com/office/powerpoint/2015/main" val="1"/>
+              </p:ext>
+            </p:extLst>
+          </p:nvPr>
+        </p:nvSpPr>
+        <p:spPr>
+          <a:xfrm>
+            <a:off x="0" y="638175"/>
+            <a:ext cx="12191999" cy="6219825"/>
+          </a:xfrm>
+          <a:prstGeom prst="rect">
+            <a:avLst/>
+          </a:prstGeom>
+          <a:ln>
+            <a:noFill/>
+          </a:ln>
+        </p:spPr>
+        <p:style>
+          <a:lnRef idx="2">
+            <a:schemeClr val="accent1">
+              <a:shade val="50000"/>
+            </a:schemeClr>
+          </a:lnRef>
+          <a:fillRef idx="1">
+            <a:schemeClr val="accent1"/>
+          </a:fillRef>
+          <a:effectRef idx="0">
+            <a:schemeClr val="accent1"/>
+          </a:effectRef>
+          <a:fontRef idx="minor">
+            <a:schemeClr val="lt1"/>
+          </a:fontRef>
+        </p:style>
+        <p:txBody>
+          <a:bodyPr rtlCol="0" anchor="ctr"/>
+          <a:lstStyle/>
+          <a:p>
+            <a:pPr algn="ctr"/>
+            <a:endParaRPr lang="en-US"/>
+          </a:p>
+        </p:txBody>
+      </p:sp>
+      <p:sp>
+        <p:nvSpPr>
+          <p:cNvPr id="20" name="Rectangle 19">
+            <a:extLst>
+              <a:ext uri="{FF2B5EF4-FFF2-40B4-BE49-F238E27FC236}">
+                <a16:creationId xmlns:a16="http://schemas.microsoft.com/office/drawing/2014/main" id="{73B1AC31-0B6C-4781-BA06-16BE17F8AFBE}"/>
+              </a:ext>
+              <a:ext uri="{C183D7F6-B498-43B3-948B-1728B52AA6E4}">
+                <adec:decorative xmlns:adec="http://schemas.microsoft.com/office/drawing/2017/decorative" val="1"/>
+              </a:ext>
+            </a:extLst>
+          </p:cNvPr>
+          <p:cNvSpPr>
+            <a:spLocks noGrp="1" noRot="1" noChangeAspect="1" noMove="1" noResize="1" noEditPoints="1" noAdjustHandles="1" noChangeArrowheads="1" noChangeShapeType="1" noTextEdit="1"/>
+          </p:cNvSpPr>
+          <p:nvPr>
+            <p:extLst>
+              <p:ext uri="{386F3935-93C4-4BCD-93E2-E3B085C9AB24}">
+                <p16:designElem xmlns:p16="http://schemas.microsoft.com/office/powerpoint/2015/main" val="1"/>
+              </p:ext>
+            </p:extLst>
+          </p:nvPr>
+        </p:nvSpPr>
+        <p:spPr>
+          <a:xfrm>
+            <a:off x="4246851" y="723899"/>
+            <a:ext cx="7498616" cy="5666666"/>
+          </a:xfrm>
+          <a:prstGeom prst="rect">
+            <a:avLst/>
+          </a:prstGeom>
+          <a:solidFill>
+            <a:schemeClr val="accent1"/>
+          </a:solidFill>
+          <a:ln>
+            <a:noFill/>
+          </a:ln>
+          <a:effectLst/>
+        </p:spPr>
+        <p:style>
+          <a:lnRef idx="1">
+            <a:schemeClr val="accent1"/>
+          </a:lnRef>
+          <a:fillRef idx="3">
+            <a:schemeClr val="accent1"/>
+          </a:fillRef>
+          <a:effectRef idx="2">
+            <a:schemeClr val="accent1"/>
+          </a:effectRef>
+          <a:fontRef idx="minor">
+            <a:schemeClr val="lt1"/>
+          </a:fontRef>
+        </p:style>
+      </p:sp>
+      <p:sp>
+        <p:nvSpPr>
+          <p:cNvPr id="2" name="Title 1">
+            <a:extLst>
+              <a:ext uri="{FF2B5EF4-FFF2-40B4-BE49-F238E27FC236}">
+                <a16:creationId xmlns:a16="http://schemas.microsoft.com/office/drawing/2014/main" id="{8BB84CEE-C24B-E24A-9B36-ADC63EEBBF91}"/>
+              </a:ext>
+            </a:extLst>
+          </p:cNvPr>
+          <p:cNvSpPr>
+            <a:spLocks noGrp="1"/>
+          </p:cNvSpPr>
+          <p:nvPr>
+            <p:ph type="title"/>
+          </p:nvPr>
+        </p:nvSpPr>
+        <p:spPr>
+          <a:xfrm>
+            <a:off x="4579243" y="1419225"/>
+            <a:ext cx="6798608" cy="2085869"/>
+          </a:xfrm>
+        </p:spPr>
+        <p:txBody>
+          <a:bodyPr vert="horz" lIns="91440" tIns="45720" rIns="91440" bIns="45720" rtlCol="0" anchor="b">
+            <a:normAutofit/>
+          </a:bodyPr>
+          <a:lstStyle/>
+          <a:p>
+            <a:r>
+              <a:rPr lang="en-US" sz="3600">
+                <a:solidFill>
+                  <a:srgbClr val="FFFFFF"/>
+                </a:solidFill>
+              </a:rPr>
+              <a:t>APPENDIX</a:t>
+            </a:r>
+          </a:p>
+        </p:txBody>
+      </p:sp>
+    </p:spTree>
+    <p:extLst>
+      <p:ext uri="{BB962C8B-B14F-4D97-AF65-F5344CB8AC3E}">
+        <p14:creationId xmlns:p14="http://schemas.microsoft.com/office/powerpoint/2010/main" val="2721280147"/>
+      </p:ext>
+    </p:extLst>
+  </p:cSld>
+  <p:clrMapOvr>
+    <a:masterClrMapping/>
+  </p:clrMapOvr>
+</p:sld>
+</file>
+
 <file path=ppt/theme/theme1.xml><?xml version="1.0" encoding="utf-8"?>
 <a:theme xmlns:a="http://schemas.openxmlformats.org/drawingml/2006/main" name="Dividend">
   <a:themeElements>
